--- a/StreamingStack.pptx
+++ b/StreamingStack.pptx
@@ -5,7 +5,7 @@
     <p:sldMasterId id="2147483648" r:id="rId1"/>
   </p:sldMasterIdLst>
   <p:sldIdLst>
-    <p:sldId id="256" r:id="rId2"/>
+    <p:sldId id="257" r:id="rId2"/>
   </p:sldIdLst>
   <p:sldSz cx="12192000" cy="6858000"/>
   <p:notesSz cx="6858000" cy="9144000"/>
@@ -104,6 +104,11 @@
       </a:defRPr>
     </a:lvl9pPr>
   </p:defaultTextStyle>
+  <p:extLst>
+    <p:ext uri="{EFAFB233-063F-42B5-8137-9DF3F51BA10A}">
+      <p15:sldGuideLst xmlns:p15="http://schemas.microsoft.com/office/powerpoint/2012/main"/>
+    </p:ext>
+  </p:extLst>
 </p:presentation>
 </file>
 
@@ -254,7 +259,7 @@
           <a:p>
             <a:fld id="{650D660B-301D-42E2-95AA-2B6DE8AEF1B2}" type="datetimeFigureOut">
               <a:rPr lang="en-US" smtClean="0"/>
-              <a:t>7/25/2019</a:t>
+              <a:t>9/24/2019</a:t>
             </a:fld>
             <a:endParaRPr lang="en-US"/>
           </a:p>
@@ -452,7 +457,7 @@
           <a:p>
             <a:fld id="{650D660B-301D-42E2-95AA-2B6DE8AEF1B2}" type="datetimeFigureOut">
               <a:rPr lang="en-US" smtClean="0"/>
-              <a:t>7/25/2019</a:t>
+              <a:t>9/24/2019</a:t>
             </a:fld>
             <a:endParaRPr lang="en-US"/>
           </a:p>
@@ -660,7 +665,7 @@
           <a:p>
             <a:fld id="{650D660B-301D-42E2-95AA-2B6DE8AEF1B2}" type="datetimeFigureOut">
               <a:rPr lang="en-US" smtClean="0"/>
-              <a:t>7/25/2019</a:t>
+              <a:t>9/24/2019</a:t>
             </a:fld>
             <a:endParaRPr lang="en-US"/>
           </a:p>
@@ -858,7 +863,7 @@
           <a:p>
             <a:fld id="{650D660B-301D-42E2-95AA-2B6DE8AEF1B2}" type="datetimeFigureOut">
               <a:rPr lang="en-US" smtClean="0"/>
-              <a:t>7/25/2019</a:t>
+              <a:t>9/24/2019</a:t>
             </a:fld>
             <a:endParaRPr lang="en-US"/>
           </a:p>
@@ -1133,7 +1138,7 @@
           <a:p>
             <a:fld id="{650D660B-301D-42E2-95AA-2B6DE8AEF1B2}" type="datetimeFigureOut">
               <a:rPr lang="en-US" smtClean="0"/>
-              <a:t>7/25/2019</a:t>
+              <a:t>9/24/2019</a:t>
             </a:fld>
             <a:endParaRPr lang="en-US"/>
           </a:p>
@@ -1398,7 +1403,7 @@
           <a:p>
             <a:fld id="{650D660B-301D-42E2-95AA-2B6DE8AEF1B2}" type="datetimeFigureOut">
               <a:rPr lang="en-US" smtClean="0"/>
-              <a:t>7/25/2019</a:t>
+              <a:t>9/24/2019</a:t>
             </a:fld>
             <a:endParaRPr lang="en-US"/>
           </a:p>
@@ -1810,7 +1815,7 @@
           <a:p>
             <a:fld id="{650D660B-301D-42E2-95AA-2B6DE8AEF1B2}" type="datetimeFigureOut">
               <a:rPr lang="en-US" smtClean="0"/>
-              <a:t>7/25/2019</a:t>
+              <a:t>9/24/2019</a:t>
             </a:fld>
             <a:endParaRPr lang="en-US"/>
           </a:p>
@@ -1951,7 +1956,7 @@
           <a:p>
             <a:fld id="{650D660B-301D-42E2-95AA-2B6DE8AEF1B2}" type="datetimeFigureOut">
               <a:rPr lang="en-US" smtClean="0"/>
-              <a:t>7/25/2019</a:t>
+              <a:t>9/24/2019</a:t>
             </a:fld>
             <a:endParaRPr lang="en-US"/>
           </a:p>
@@ -2064,7 +2069,7 @@
           <a:p>
             <a:fld id="{650D660B-301D-42E2-95AA-2B6DE8AEF1B2}" type="datetimeFigureOut">
               <a:rPr lang="en-US" smtClean="0"/>
-              <a:t>7/25/2019</a:t>
+              <a:t>9/24/2019</a:t>
             </a:fld>
             <a:endParaRPr lang="en-US"/>
           </a:p>
@@ -2375,7 +2380,7 @@
           <a:p>
             <a:fld id="{650D660B-301D-42E2-95AA-2B6DE8AEF1B2}" type="datetimeFigureOut">
               <a:rPr lang="en-US" smtClean="0"/>
-              <a:t>7/25/2019</a:t>
+              <a:t>9/24/2019</a:t>
             </a:fld>
             <a:endParaRPr lang="en-US"/>
           </a:p>
@@ -2663,7 +2668,7 @@
           <a:p>
             <a:fld id="{650D660B-301D-42E2-95AA-2B6DE8AEF1B2}" type="datetimeFigureOut">
               <a:rPr lang="en-US" smtClean="0"/>
-              <a:t>7/25/2019</a:t>
+              <a:t>9/24/2019</a:t>
             </a:fld>
             <a:endParaRPr lang="en-US"/>
           </a:p>
@@ -2904,7 +2909,7 @@
           <a:p>
             <a:fld id="{650D660B-301D-42E2-95AA-2B6DE8AEF1B2}" type="datetimeFigureOut">
               <a:rPr lang="en-US" smtClean="0"/>
-              <a:t>7/25/2019</a:t>
+              <a:t>9/24/2019</a:t>
             </a:fld>
             <a:endParaRPr lang="en-US"/>
           </a:p>
@@ -3323,10 +3328,10 @@
       </p:grpSpPr>
       <p:sp>
         <p:nvSpPr>
-          <p:cNvPr id="35" name="Rectangle 34">
-            <a:extLst>
-              <a:ext uri="{FF2B5EF4-FFF2-40B4-BE49-F238E27FC236}">
-                <a16:creationId xmlns:a16="http://schemas.microsoft.com/office/drawing/2014/main" id="{CA788FA7-903A-4B3E-B62F-91A4F0826FEF}"/>
+          <p:cNvPr id="40" name="Rectangle 39">
+            <a:extLst>
+              <a:ext uri="{FF2B5EF4-FFF2-40B4-BE49-F238E27FC236}">
+                <a16:creationId xmlns:a16="http://schemas.microsoft.com/office/drawing/2014/main" id="{B83EF6F7-54A3-40E8-8C5C-C70F9131635F}"/>
               </a:ext>
             </a:extLst>
           </p:cNvPr>
@@ -3335,7 +3340,1020 @@
         </p:nvSpPr>
         <p:spPr>
           <a:xfrm>
-            <a:off x="929802" y="3297604"/>
+            <a:off x="6435954" y="2369015"/>
+            <a:ext cx="1954591" cy="1337591"/>
+          </a:xfrm>
+          <a:prstGeom prst="rect">
+            <a:avLst/>
+          </a:prstGeom>
+          <a:solidFill>
+            <a:schemeClr val="accent1">
+              <a:lumMod val="60000"/>
+              <a:lumOff val="40000"/>
+            </a:schemeClr>
+          </a:solidFill>
+        </p:spPr>
+        <p:style>
+          <a:lnRef idx="2">
+            <a:schemeClr val="accent1">
+              <a:shade val="50000"/>
+            </a:schemeClr>
+          </a:lnRef>
+          <a:fillRef idx="1">
+            <a:schemeClr val="accent1"/>
+          </a:fillRef>
+          <a:effectRef idx="0">
+            <a:schemeClr val="accent1"/>
+          </a:effectRef>
+          <a:fontRef idx="minor">
+            <a:schemeClr val="lt1"/>
+          </a:fontRef>
+        </p:style>
+        <p:txBody>
+          <a:bodyPr rtlCol="0" anchor="ctr"/>
+          <a:lstStyle/>
+          <a:p>
+            <a:pPr algn="ctr"/>
+            <a:endParaRPr lang="en-US" dirty="0">
+              <a:solidFill>
+                <a:schemeClr val="tx1">
+                  <a:lumMod val="85000"/>
+                  <a:lumOff val="15000"/>
+                </a:schemeClr>
+              </a:solidFill>
+            </a:endParaRPr>
+          </a:p>
+          <a:p>
+            <a:pPr algn="ctr"/>
+            <a:endParaRPr lang="en-US" dirty="0">
+              <a:solidFill>
+                <a:schemeClr val="tx1">
+                  <a:lumMod val="85000"/>
+                  <a:lumOff val="15000"/>
+                </a:schemeClr>
+              </a:solidFill>
+            </a:endParaRPr>
+          </a:p>
+          <a:p>
+            <a:pPr algn="ctr"/>
+            <a:endParaRPr lang="en-US" dirty="0">
+              <a:solidFill>
+                <a:schemeClr val="tx1">
+                  <a:lumMod val="85000"/>
+                  <a:lumOff val="15000"/>
+                </a:schemeClr>
+              </a:solidFill>
+            </a:endParaRPr>
+          </a:p>
+          <a:p>
+            <a:pPr algn="ctr"/>
+            <a:endParaRPr lang="en-US" dirty="0">
+              <a:solidFill>
+                <a:schemeClr val="tx1">
+                  <a:lumMod val="85000"/>
+                  <a:lumOff val="15000"/>
+                </a:schemeClr>
+              </a:solidFill>
+            </a:endParaRPr>
+          </a:p>
+          <a:p>
+            <a:pPr algn="ctr"/>
+            <a:endParaRPr lang="en-US" sz="1100" dirty="0">
+              <a:solidFill>
+                <a:schemeClr val="tx1">
+                  <a:lumMod val="85000"/>
+                  <a:lumOff val="15000"/>
+                </a:schemeClr>
+              </a:solidFill>
+            </a:endParaRPr>
+          </a:p>
+          <a:p>
+            <a:pPr algn="ctr"/>
+            <a:endParaRPr lang="en-US" dirty="0">
+              <a:solidFill>
+                <a:schemeClr val="tx1">
+                  <a:lumMod val="85000"/>
+                  <a:lumOff val="15000"/>
+                </a:schemeClr>
+              </a:solidFill>
+            </a:endParaRPr>
+          </a:p>
+          <a:p>
+            <a:pPr algn="ctr"/>
+            <a:endParaRPr lang="en-US" dirty="0">
+              <a:solidFill>
+                <a:schemeClr val="tx1">
+                  <a:lumMod val="85000"/>
+                  <a:lumOff val="15000"/>
+                </a:schemeClr>
+              </a:solidFill>
+            </a:endParaRPr>
+          </a:p>
+          <a:p>
+            <a:pPr algn="ctr"/>
+            <a:r>
+              <a:rPr lang="en-US" dirty="0">
+                <a:solidFill>
+                  <a:schemeClr val="tx1">
+                    <a:lumMod val="85000"/>
+                    <a:lumOff val="15000"/>
+                  </a:schemeClr>
+                </a:solidFill>
+              </a:rPr>
+              <a:t>Spark Streaming</a:t>
+            </a:r>
+          </a:p>
+          <a:p>
+            <a:pPr algn="ctr"/>
+            <a:endParaRPr lang="en-US" dirty="0">
+              <a:solidFill>
+                <a:schemeClr val="tx1">
+                  <a:lumMod val="85000"/>
+                  <a:lumOff val="15000"/>
+                </a:schemeClr>
+              </a:solidFill>
+            </a:endParaRPr>
+          </a:p>
+          <a:p>
+            <a:pPr algn="ctr"/>
+            <a:endParaRPr lang="en-US" dirty="0">
+              <a:solidFill>
+                <a:schemeClr val="tx1">
+                  <a:lumMod val="85000"/>
+                  <a:lumOff val="15000"/>
+                </a:schemeClr>
+              </a:solidFill>
+            </a:endParaRPr>
+          </a:p>
+          <a:p>
+            <a:pPr algn="ctr"/>
+            <a:endParaRPr lang="en-US" dirty="0">
+              <a:solidFill>
+                <a:schemeClr val="tx1">
+                  <a:lumMod val="85000"/>
+                  <a:lumOff val="15000"/>
+                </a:schemeClr>
+              </a:solidFill>
+            </a:endParaRPr>
+          </a:p>
+        </p:txBody>
+      </p:sp>
+      <p:sp>
+        <p:nvSpPr>
+          <p:cNvPr id="4" name="Rectangle 3">
+            <a:extLst>
+              <a:ext uri="{FF2B5EF4-FFF2-40B4-BE49-F238E27FC236}">
+                <a16:creationId xmlns:a16="http://schemas.microsoft.com/office/drawing/2014/main" id="{9F73C5A9-CA9A-4492-AD04-68B182261FCC}"/>
+              </a:ext>
+            </a:extLst>
+          </p:cNvPr>
+          <p:cNvSpPr/>
+          <p:nvPr/>
+        </p:nvSpPr>
+        <p:spPr>
+          <a:xfrm>
+            <a:off x="6543818" y="941210"/>
+            <a:ext cx="1847562" cy="1159332"/>
+          </a:xfrm>
+          <a:prstGeom prst="rect">
+            <a:avLst/>
+          </a:prstGeom>
+          <a:solidFill>
+            <a:schemeClr val="accent1">
+              <a:lumMod val="40000"/>
+              <a:lumOff val="60000"/>
+            </a:schemeClr>
+          </a:solidFill>
+        </p:spPr>
+        <p:style>
+          <a:lnRef idx="2">
+            <a:schemeClr val="accent1">
+              <a:shade val="50000"/>
+            </a:schemeClr>
+          </a:lnRef>
+          <a:fillRef idx="1">
+            <a:schemeClr val="accent1"/>
+          </a:fillRef>
+          <a:effectRef idx="0">
+            <a:schemeClr val="accent1"/>
+          </a:effectRef>
+          <a:fontRef idx="minor">
+            <a:schemeClr val="lt1"/>
+          </a:fontRef>
+        </p:style>
+        <p:txBody>
+          <a:bodyPr rtlCol="0" anchor="ctr"/>
+          <a:lstStyle/>
+          <a:p>
+            <a:pPr algn="ctr"/>
+            <a:r>
+              <a:rPr lang="en-US" dirty="0">
+                <a:solidFill>
+                  <a:schemeClr val="tx1">
+                    <a:lumMod val="85000"/>
+                    <a:lumOff val="15000"/>
+                  </a:schemeClr>
+                </a:solidFill>
+              </a:rPr>
+              <a:t>NoSQL</a:t>
+            </a:r>
+          </a:p>
+          <a:p>
+            <a:pPr algn="ctr"/>
+            <a:endParaRPr lang="en-US" dirty="0">
+              <a:solidFill>
+                <a:schemeClr val="tx1">
+                  <a:lumMod val="85000"/>
+                  <a:lumOff val="15000"/>
+                </a:schemeClr>
+              </a:solidFill>
+            </a:endParaRPr>
+          </a:p>
+          <a:p>
+            <a:pPr algn="ctr"/>
+            <a:endParaRPr lang="en-US" dirty="0">
+              <a:solidFill>
+                <a:schemeClr val="tx1">
+                  <a:lumMod val="85000"/>
+                  <a:lumOff val="15000"/>
+                </a:schemeClr>
+              </a:solidFill>
+            </a:endParaRPr>
+          </a:p>
+          <a:p>
+            <a:pPr algn="ctr"/>
+            <a:endParaRPr lang="en-US" dirty="0">
+              <a:solidFill>
+                <a:schemeClr val="tx1">
+                  <a:lumMod val="85000"/>
+                  <a:lumOff val="15000"/>
+                </a:schemeClr>
+              </a:solidFill>
+            </a:endParaRPr>
+          </a:p>
+        </p:txBody>
+      </p:sp>
+      <p:sp>
+        <p:nvSpPr>
+          <p:cNvPr id="5" name="Rectangle 4">
+            <a:extLst>
+              <a:ext uri="{FF2B5EF4-FFF2-40B4-BE49-F238E27FC236}">
+                <a16:creationId xmlns:a16="http://schemas.microsoft.com/office/drawing/2014/main" id="{94E564BD-0C26-49FA-9FFC-49EF316D78F3}"/>
+              </a:ext>
+            </a:extLst>
+          </p:cNvPr>
+          <p:cNvSpPr/>
+          <p:nvPr/>
+        </p:nvSpPr>
+        <p:spPr>
+          <a:xfrm>
+            <a:off x="966250" y="2652370"/>
+            <a:ext cx="1470518" cy="788990"/>
+          </a:xfrm>
+          <a:prstGeom prst="rect">
+            <a:avLst/>
+          </a:prstGeom>
+          <a:solidFill>
+            <a:schemeClr val="accent1">
+              <a:lumMod val="20000"/>
+              <a:lumOff val="80000"/>
+            </a:schemeClr>
+          </a:solidFill>
+        </p:spPr>
+        <p:style>
+          <a:lnRef idx="2">
+            <a:schemeClr val="accent1">
+              <a:shade val="50000"/>
+            </a:schemeClr>
+          </a:lnRef>
+          <a:fillRef idx="1">
+            <a:schemeClr val="accent1"/>
+          </a:fillRef>
+          <a:effectRef idx="0">
+            <a:schemeClr val="accent1"/>
+          </a:effectRef>
+          <a:fontRef idx="minor">
+            <a:schemeClr val="lt1"/>
+          </a:fontRef>
+        </p:style>
+        <p:txBody>
+          <a:bodyPr rtlCol="0" anchor="ctr"/>
+          <a:lstStyle/>
+          <a:p>
+            <a:pPr algn="ctr"/>
+            <a:endParaRPr lang="en-US" dirty="0">
+              <a:solidFill>
+                <a:schemeClr val="tx1">
+                  <a:lumMod val="85000"/>
+                  <a:lumOff val="15000"/>
+                </a:schemeClr>
+              </a:solidFill>
+            </a:endParaRPr>
+          </a:p>
+          <a:p>
+            <a:pPr algn="ctr"/>
+            <a:endParaRPr lang="en-US" dirty="0">
+              <a:solidFill>
+                <a:schemeClr val="tx1">
+                  <a:lumMod val="85000"/>
+                  <a:lumOff val="15000"/>
+                </a:schemeClr>
+              </a:solidFill>
+            </a:endParaRPr>
+          </a:p>
+          <a:p>
+            <a:pPr algn="ctr"/>
+            <a:endParaRPr lang="en-US" sz="500" dirty="0">
+              <a:solidFill>
+                <a:schemeClr val="tx1">
+                  <a:lumMod val="85000"/>
+                  <a:lumOff val="15000"/>
+                </a:schemeClr>
+              </a:solidFill>
+            </a:endParaRPr>
+          </a:p>
+          <a:p>
+            <a:pPr algn="ctr"/>
+            <a:r>
+              <a:rPr lang="en-US" dirty="0">
+                <a:solidFill>
+                  <a:schemeClr val="tx1">
+                    <a:lumMod val="85000"/>
+                    <a:lumOff val="15000"/>
+                  </a:schemeClr>
+                </a:solidFill>
+              </a:rPr>
+              <a:t>Producer API</a:t>
+            </a:r>
+          </a:p>
+          <a:p>
+            <a:pPr algn="ctr"/>
+            <a:endParaRPr lang="en-US" sz="1100" dirty="0">
+              <a:solidFill>
+                <a:schemeClr val="tx1">
+                  <a:lumMod val="85000"/>
+                  <a:lumOff val="15000"/>
+                </a:schemeClr>
+              </a:solidFill>
+            </a:endParaRPr>
+          </a:p>
+          <a:p>
+            <a:pPr algn="ctr"/>
+            <a:endParaRPr lang="en-US" dirty="0">
+              <a:solidFill>
+                <a:schemeClr val="tx1">
+                  <a:lumMod val="85000"/>
+                  <a:lumOff val="15000"/>
+                </a:schemeClr>
+              </a:solidFill>
+            </a:endParaRPr>
+          </a:p>
+          <a:p>
+            <a:pPr algn="ctr"/>
+            <a:endParaRPr lang="en-US" dirty="0">
+              <a:solidFill>
+                <a:schemeClr val="tx1">
+                  <a:lumMod val="85000"/>
+                  <a:lumOff val="15000"/>
+                </a:schemeClr>
+              </a:solidFill>
+            </a:endParaRPr>
+          </a:p>
+        </p:txBody>
+      </p:sp>
+      <p:sp>
+        <p:nvSpPr>
+          <p:cNvPr id="6" name="Rectangle 5">
+            <a:extLst>
+              <a:ext uri="{FF2B5EF4-FFF2-40B4-BE49-F238E27FC236}">
+                <a16:creationId xmlns:a16="http://schemas.microsoft.com/office/drawing/2014/main" id="{174F0A9A-A5F7-4743-A16C-C398BE5BC35C}"/>
+              </a:ext>
+            </a:extLst>
+          </p:cNvPr>
+          <p:cNvSpPr/>
+          <p:nvPr/>
+        </p:nvSpPr>
+        <p:spPr>
+          <a:xfrm>
+            <a:off x="3501226" y="2395856"/>
+            <a:ext cx="1996053" cy="1314101"/>
+          </a:xfrm>
+          <a:prstGeom prst="rect">
+            <a:avLst/>
+          </a:prstGeom>
+          <a:solidFill>
+            <a:schemeClr val="accent1">
+              <a:lumMod val="60000"/>
+              <a:lumOff val="40000"/>
+            </a:schemeClr>
+          </a:solidFill>
+        </p:spPr>
+        <p:style>
+          <a:lnRef idx="2">
+            <a:schemeClr val="accent1">
+              <a:shade val="50000"/>
+            </a:schemeClr>
+          </a:lnRef>
+          <a:fillRef idx="1">
+            <a:schemeClr val="accent1"/>
+          </a:fillRef>
+          <a:effectRef idx="0">
+            <a:schemeClr val="accent1"/>
+          </a:effectRef>
+          <a:fontRef idx="minor">
+            <a:schemeClr val="lt1"/>
+          </a:fontRef>
+        </p:style>
+        <p:txBody>
+          <a:bodyPr rtlCol="0" anchor="ctr"/>
+          <a:lstStyle/>
+          <a:p>
+            <a:pPr algn="ctr"/>
+            <a:r>
+              <a:rPr lang="en-US" dirty="0">
+                <a:solidFill>
+                  <a:schemeClr val="tx1">
+                    <a:lumMod val="85000"/>
+                    <a:lumOff val="15000"/>
+                  </a:schemeClr>
+                </a:solidFill>
+              </a:rPr>
+              <a:t>Kafka Cluster</a:t>
+            </a:r>
+          </a:p>
+        </p:txBody>
+      </p:sp>
+      <p:sp>
+        <p:nvSpPr>
+          <p:cNvPr id="7" name="Rectangle 6">
+            <a:extLst>
+              <a:ext uri="{FF2B5EF4-FFF2-40B4-BE49-F238E27FC236}">
+                <a16:creationId xmlns:a16="http://schemas.microsoft.com/office/drawing/2014/main" id="{FB208864-3505-41D6-8F88-A62184D5C59D}"/>
+              </a:ext>
+            </a:extLst>
+          </p:cNvPr>
+          <p:cNvSpPr/>
+          <p:nvPr/>
+        </p:nvSpPr>
+        <p:spPr>
+          <a:xfrm>
+            <a:off x="6658700" y="2779281"/>
+            <a:ext cx="1547446" cy="548640"/>
+          </a:xfrm>
+          <a:prstGeom prst="rect">
+            <a:avLst/>
+          </a:prstGeom>
+          <a:solidFill>
+            <a:schemeClr val="accent1">
+              <a:lumMod val="20000"/>
+              <a:lumOff val="80000"/>
+            </a:schemeClr>
+          </a:solidFill>
+        </p:spPr>
+        <p:style>
+          <a:lnRef idx="2">
+            <a:schemeClr val="accent1">
+              <a:shade val="50000"/>
+            </a:schemeClr>
+          </a:lnRef>
+          <a:fillRef idx="1">
+            <a:schemeClr val="accent1"/>
+          </a:fillRef>
+          <a:effectRef idx="0">
+            <a:schemeClr val="accent1"/>
+          </a:effectRef>
+          <a:fontRef idx="minor">
+            <a:schemeClr val="lt1"/>
+          </a:fontRef>
+        </p:style>
+        <p:txBody>
+          <a:bodyPr rtlCol="0" anchor="ctr"/>
+          <a:lstStyle/>
+          <a:p>
+            <a:pPr algn="ctr"/>
+            <a:r>
+              <a:rPr lang="en-US" dirty="0">
+                <a:solidFill>
+                  <a:schemeClr val="tx1">
+                    <a:lumMod val="85000"/>
+                    <a:lumOff val="15000"/>
+                  </a:schemeClr>
+                </a:solidFill>
+              </a:rPr>
+              <a:t>Consumer API</a:t>
+            </a:r>
+          </a:p>
+        </p:txBody>
+      </p:sp>
+      <p:sp>
+        <p:nvSpPr>
+          <p:cNvPr id="8" name="Rectangle 7">
+            <a:extLst>
+              <a:ext uri="{FF2B5EF4-FFF2-40B4-BE49-F238E27FC236}">
+                <a16:creationId xmlns:a16="http://schemas.microsoft.com/office/drawing/2014/main" id="{8F368DA6-86A6-4B06-949C-DECCE055BB72}"/>
+              </a:ext>
+            </a:extLst>
+          </p:cNvPr>
+          <p:cNvSpPr/>
+          <p:nvPr/>
+        </p:nvSpPr>
+        <p:spPr>
+          <a:xfrm>
+            <a:off x="6877378" y="1292700"/>
+            <a:ext cx="1218553" cy="590400"/>
+          </a:xfrm>
+          <a:prstGeom prst="rect">
+            <a:avLst/>
+          </a:prstGeom>
+          <a:solidFill>
+            <a:schemeClr val="accent1">
+              <a:lumMod val="20000"/>
+              <a:lumOff val="80000"/>
+            </a:schemeClr>
+          </a:solidFill>
+        </p:spPr>
+        <p:style>
+          <a:lnRef idx="2">
+            <a:schemeClr val="accent1">
+              <a:shade val="50000"/>
+            </a:schemeClr>
+          </a:lnRef>
+          <a:fillRef idx="1">
+            <a:schemeClr val="accent1"/>
+          </a:fillRef>
+          <a:effectRef idx="0">
+            <a:schemeClr val="accent1"/>
+          </a:effectRef>
+          <a:fontRef idx="minor">
+            <a:schemeClr val="lt1"/>
+          </a:fontRef>
+        </p:style>
+        <p:txBody>
+          <a:bodyPr rtlCol="0" anchor="ctr"/>
+          <a:lstStyle/>
+          <a:p>
+            <a:pPr algn="ctr"/>
+            <a:r>
+              <a:rPr lang="en-US" dirty="0">
+                <a:solidFill>
+                  <a:schemeClr val="tx1">
+                    <a:lumMod val="85000"/>
+                    <a:lumOff val="15000"/>
+                  </a:schemeClr>
+                </a:solidFill>
+              </a:rPr>
+              <a:t>Redis</a:t>
+            </a:r>
+          </a:p>
+        </p:txBody>
+      </p:sp>
+      <p:sp>
+        <p:nvSpPr>
+          <p:cNvPr id="11" name="Rectangle 10">
+            <a:extLst>
+              <a:ext uri="{FF2B5EF4-FFF2-40B4-BE49-F238E27FC236}">
+                <a16:creationId xmlns:a16="http://schemas.microsoft.com/office/drawing/2014/main" id="{751FB4F3-498A-4751-B937-236570C5F55A}"/>
+              </a:ext>
+            </a:extLst>
+          </p:cNvPr>
+          <p:cNvSpPr/>
+          <p:nvPr/>
+        </p:nvSpPr>
+        <p:spPr>
+          <a:xfrm>
+            <a:off x="9056878" y="2321169"/>
+            <a:ext cx="2090054" cy="1503808"/>
+          </a:xfrm>
+          <a:prstGeom prst="rect">
+            <a:avLst/>
+          </a:prstGeom>
+          <a:solidFill>
+            <a:schemeClr val="accent1">
+              <a:lumMod val="60000"/>
+              <a:lumOff val="40000"/>
+            </a:schemeClr>
+          </a:solidFill>
+        </p:spPr>
+        <p:style>
+          <a:lnRef idx="2">
+            <a:schemeClr val="accent1">
+              <a:shade val="50000"/>
+            </a:schemeClr>
+          </a:lnRef>
+          <a:fillRef idx="1">
+            <a:schemeClr val="accent1"/>
+          </a:fillRef>
+          <a:effectRef idx="0">
+            <a:schemeClr val="accent1"/>
+          </a:effectRef>
+          <a:fontRef idx="minor">
+            <a:schemeClr val="lt1"/>
+          </a:fontRef>
+        </p:style>
+        <p:txBody>
+          <a:bodyPr rtlCol="0" anchor="ctr"/>
+          <a:lstStyle/>
+          <a:p>
+            <a:pPr algn="ctr"/>
+            <a:endParaRPr lang="en-US" sz="600" dirty="0">
+              <a:solidFill>
+                <a:schemeClr val="tx1">
+                  <a:lumMod val="85000"/>
+                  <a:lumOff val="15000"/>
+                </a:schemeClr>
+              </a:solidFill>
+            </a:endParaRPr>
+          </a:p>
+          <a:p>
+            <a:pPr algn="ctr"/>
+            <a:endParaRPr lang="en-US" sz="600" dirty="0">
+              <a:solidFill>
+                <a:schemeClr val="tx1">
+                  <a:lumMod val="85000"/>
+                  <a:lumOff val="15000"/>
+                </a:schemeClr>
+              </a:solidFill>
+            </a:endParaRPr>
+          </a:p>
+          <a:p>
+            <a:pPr algn="ctr"/>
+            <a:endParaRPr lang="en-US" sz="600" dirty="0">
+              <a:solidFill>
+                <a:schemeClr val="tx1">
+                  <a:lumMod val="85000"/>
+                  <a:lumOff val="15000"/>
+                </a:schemeClr>
+              </a:solidFill>
+            </a:endParaRPr>
+          </a:p>
+          <a:p>
+            <a:pPr algn="ctr"/>
+            <a:endParaRPr lang="en-US" sz="600" dirty="0">
+              <a:solidFill>
+                <a:schemeClr val="tx1">
+                  <a:lumMod val="85000"/>
+                  <a:lumOff val="15000"/>
+                </a:schemeClr>
+              </a:solidFill>
+            </a:endParaRPr>
+          </a:p>
+          <a:p>
+            <a:pPr algn="ctr"/>
+            <a:endParaRPr lang="en-US" sz="600" dirty="0">
+              <a:solidFill>
+                <a:schemeClr val="tx1">
+                  <a:lumMod val="85000"/>
+                  <a:lumOff val="15000"/>
+                </a:schemeClr>
+              </a:solidFill>
+            </a:endParaRPr>
+          </a:p>
+          <a:p>
+            <a:pPr algn="ctr"/>
+            <a:endParaRPr lang="en-US" sz="600" dirty="0">
+              <a:solidFill>
+                <a:schemeClr val="tx1">
+                  <a:lumMod val="85000"/>
+                  <a:lumOff val="15000"/>
+                </a:schemeClr>
+              </a:solidFill>
+            </a:endParaRPr>
+          </a:p>
+          <a:p>
+            <a:pPr algn="ctr"/>
+            <a:endParaRPr lang="en-US" sz="600" dirty="0">
+              <a:solidFill>
+                <a:schemeClr val="tx1">
+                  <a:lumMod val="85000"/>
+                  <a:lumOff val="15000"/>
+                </a:schemeClr>
+              </a:solidFill>
+            </a:endParaRPr>
+          </a:p>
+          <a:p>
+            <a:pPr algn="ctr"/>
+            <a:endParaRPr lang="en-US" sz="600" dirty="0">
+              <a:solidFill>
+                <a:schemeClr val="tx1">
+                  <a:lumMod val="85000"/>
+                  <a:lumOff val="15000"/>
+                </a:schemeClr>
+              </a:solidFill>
+            </a:endParaRPr>
+          </a:p>
+          <a:p>
+            <a:pPr algn="ctr"/>
+            <a:endParaRPr lang="en-US" sz="600" dirty="0">
+              <a:solidFill>
+                <a:schemeClr val="tx1">
+                  <a:lumMod val="85000"/>
+                  <a:lumOff val="15000"/>
+                </a:schemeClr>
+              </a:solidFill>
+            </a:endParaRPr>
+          </a:p>
+          <a:p>
+            <a:pPr algn="ctr"/>
+            <a:endParaRPr lang="en-US" sz="600" dirty="0">
+              <a:solidFill>
+                <a:schemeClr val="tx1">
+                  <a:lumMod val="85000"/>
+                  <a:lumOff val="15000"/>
+                </a:schemeClr>
+              </a:solidFill>
+            </a:endParaRPr>
+          </a:p>
+          <a:p>
+            <a:pPr algn="ctr"/>
+            <a:endParaRPr lang="en-US" sz="600" dirty="0">
+              <a:solidFill>
+                <a:schemeClr val="tx1">
+                  <a:lumMod val="85000"/>
+                  <a:lumOff val="15000"/>
+                </a:schemeClr>
+              </a:solidFill>
+            </a:endParaRPr>
+          </a:p>
+          <a:p>
+            <a:pPr algn="ctr"/>
+            <a:endParaRPr lang="en-US" sz="600" dirty="0">
+              <a:solidFill>
+                <a:schemeClr val="tx1">
+                  <a:lumMod val="85000"/>
+                  <a:lumOff val="15000"/>
+                </a:schemeClr>
+              </a:solidFill>
+            </a:endParaRPr>
+          </a:p>
+          <a:p>
+            <a:pPr algn="ctr"/>
+            <a:endParaRPr lang="en-US" sz="600" dirty="0">
+              <a:solidFill>
+                <a:schemeClr val="tx1">
+                  <a:lumMod val="85000"/>
+                  <a:lumOff val="15000"/>
+                </a:schemeClr>
+              </a:solidFill>
+            </a:endParaRPr>
+          </a:p>
+          <a:p>
+            <a:pPr algn="ctr"/>
+            <a:endParaRPr lang="en-US" sz="600" dirty="0">
+              <a:solidFill>
+                <a:schemeClr val="tx1">
+                  <a:lumMod val="85000"/>
+                  <a:lumOff val="15000"/>
+                </a:schemeClr>
+              </a:solidFill>
+            </a:endParaRPr>
+          </a:p>
+          <a:p>
+            <a:pPr algn="ctr"/>
+            <a:endParaRPr lang="en-US" sz="600" dirty="0">
+              <a:solidFill>
+                <a:schemeClr val="tx1">
+                  <a:lumMod val="85000"/>
+                  <a:lumOff val="15000"/>
+                </a:schemeClr>
+              </a:solidFill>
+            </a:endParaRPr>
+          </a:p>
+          <a:p>
+            <a:pPr algn="ctr"/>
+            <a:endParaRPr lang="en-US" sz="600" dirty="0">
+              <a:solidFill>
+                <a:schemeClr val="tx1">
+                  <a:lumMod val="85000"/>
+                  <a:lumOff val="15000"/>
+                </a:schemeClr>
+              </a:solidFill>
+            </a:endParaRPr>
+          </a:p>
+          <a:p>
+            <a:pPr algn="ctr"/>
+            <a:endParaRPr lang="en-US" sz="600" dirty="0">
+              <a:solidFill>
+                <a:schemeClr val="tx1">
+                  <a:lumMod val="85000"/>
+                  <a:lumOff val="15000"/>
+                </a:schemeClr>
+              </a:solidFill>
+            </a:endParaRPr>
+          </a:p>
+          <a:p>
+            <a:pPr algn="ctr"/>
+            <a:endParaRPr lang="en-US" sz="600" dirty="0">
+              <a:solidFill>
+                <a:schemeClr val="tx1">
+                  <a:lumMod val="85000"/>
+                  <a:lumOff val="15000"/>
+                </a:schemeClr>
+              </a:solidFill>
+            </a:endParaRPr>
+          </a:p>
+          <a:p>
+            <a:pPr algn="ctr"/>
+            <a:endParaRPr lang="en-US" sz="600" dirty="0">
+              <a:solidFill>
+                <a:schemeClr val="tx1">
+                  <a:lumMod val="85000"/>
+                  <a:lumOff val="15000"/>
+                </a:schemeClr>
+              </a:solidFill>
+            </a:endParaRPr>
+          </a:p>
+          <a:p>
+            <a:pPr algn="ctr"/>
+            <a:endParaRPr lang="en-US" sz="600" dirty="0">
+              <a:solidFill>
+                <a:schemeClr val="tx1">
+                  <a:lumMod val="85000"/>
+                  <a:lumOff val="15000"/>
+                </a:schemeClr>
+              </a:solidFill>
+            </a:endParaRPr>
+          </a:p>
+          <a:p>
+            <a:pPr algn="ctr"/>
+            <a:endParaRPr lang="en-US" sz="600" dirty="0">
+              <a:solidFill>
+                <a:schemeClr val="tx1">
+                  <a:lumMod val="85000"/>
+                  <a:lumOff val="15000"/>
+                </a:schemeClr>
+              </a:solidFill>
+            </a:endParaRPr>
+          </a:p>
+          <a:p>
+            <a:pPr algn="ctr"/>
+            <a:endParaRPr lang="en-US" sz="600" dirty="0">
+              <a:solidFill>
+                <a:schemeClr val="tx1">
+                  <a:lumMod val="85000"/>
+                  <a:lumOff val="15000"/>
+                </a:schemeClr>
+              </a:solidFill>
+            </a:endParaRPr>
+          </a:p>
+          <a:p>
+            <a:pPr algn="ctr"/>
+            <a:endParaRPr lang="en-US" sz="600" dirty="0">
+              <a:solidFill>
+                <a:schemeClr val="tx1">
+                  <a:lumMod val="85000"/>
+                  <a:lumOff val="15000"/>
+                </a:schemeClr>
+              </a:solidFill>
+            </a:endParaRPr>
+          </a:p>
+          <a:p>
+            <a:pPr algn="ctr"/>
+            <a:endParaRPr lang="en-US" sz="600" dirty="0">
+              <a:solidFill>
+                <a:schemeClr val="tx1">
+                  <a:lumMod val="85000"/>
+                  <a:lumOff val="15000"/>
+                </a:schemeClr>
+              </a:solidFill>
+            </a:endParaRPr>
+          </a:p>
+          <a:p>
+            <a:pPr algn="ctr"/>
+            <a:r>
+              <a:rPr lang="en-US" dirty="0">
+                <a:solidFill>
+                  <a:schemeClr val="tx1">
+                    <a:lumMod val="85000"/>
+                    <a:lumOff val="15000"/>
+                  </a:schemeClr>
+                </a:solidFill>
+              </a:rPr>
+              <a:t>Persistence Layer</a:t>
+            </a:r>
+          </a:p>
+          <a:p>
+            <a:pPr algn="ctr"/>
+            <a:endParaRPr lang="en-US" dirty="0">
+              <a:solidFill>
+                <a:schemeClr val="tx1">
+                  <a:lumMod val="85000"/>
+                  <a:lumOff val="15000"/>
+                </a:schemeClr>
+              </a:solidFill>
+            </a:endParaRPr>
+          </a:p>
+          <a:p>
+            <a:pPr algn="ctr"/>
+            <a:endParaRPr lang="en-US" dirty="0">
+              <a:solidFill>
+                <a:schemeClr val="tx1">
+                  <a:lumMod val="85000"/>
+                  <a:lumOff val="15000"/>
+                </a:schemeClr>
+              </a:solidFill>
+            </a:endParaRPr>
+          </a:p>
+          <a:p>
+            <a:pPr algn="ctr"/>
+            <a:endParaRPr lang="en-US" dirty="0">
+              <a:solidFill>
+                <a:schemeClr val="tx1">
+                  <a:lumMod val="85000"/>
+                  <a:lumOff val="15000"/>
+                </a:schemeClr>
+              </a:solidFill>
+            </a:endParaRPr>
+          </a:p>
+          <a:p>
+            <a:pPr algn="ctr"/>
+            <a:endParaRPr lang="en-US" dirty="0">
+              <a:solidFill>
+                <a:schemeClr val="tx1">
+                  <a:lumMod val="85000"/>
+                  <a:lumOff val="15000"/>
+                </a:schemeClr>
+              </a:solidFill>
+            </a:endParaRPr>
+          </a:p>
+        </p:txBody>
+      </p:sp>
+      <p:sp>
+        <p:nvSpPr>
+          <p:cNvPr id="12" name="Rectangle 11">
+            <a:extLst>
+              <a:ext uri="{FF2B5EF4-FFF2-40B4-BE49-F238E27FC236}">
+                <a16:creationId xmlns:a16="http://schemas.microsoft.com/office/drawing/2014/main" id="{01AF7A61-A038-4A30-AB20-632B0790C1CF}"/>
+              </a:ext>
+            </a:extLst>
+          </p:cNvPr>
+          <p:cNvSpPr/>
+          <p:nvPr/>
+        </p:nvSpPr>
+        <p:spPr>
+          <a:xfrm>
+            <a:off x="9265881" y="2809864"/>
+            <a:ext cx="1547446" cy="548640"/>
+          </a:xfrm>
+          <a:prstGeom prst="rect">
+            <a:avLst/>
+          </a:prstGeom>
+          <a:solidFill>
+            <a:schemeClr val="accent1">
+              <a:lumMod val="20000"/>
+              <a:lumOff val="80000"/>
+            </a:schemeClr>
+          </a:solidFill>
+        </p:spPr>
+        <p:style>
+          <a:lnRef idx="2">
+            <a:schemeClr val="accent1">
+              <a:shade val="50000"/>
+            </a:schemeClr>
+          </a:lnRef>
+          <a:fillRef idx="1">
+            <a:schemeClr val="accent1"/>
+          </a:fillRef>
+          <a:effectRef idx="0">
+            <a:schemeClr val="accent1"/>
+          </a:effectRef>
+          <a:fontRef idx="minor">
+            <a:schemeClr val="lt1"/>
+          </a:fontRef>
+        </p:style>
+        <p:txBody>
+          <a:bodyPr rtlCol="0" anchor="ctr"/>
+          <a:lstStyle/>
+          <a:p>
+            <a:pPr algn="ctr"/>
+            <a:r>
+              <a:rPr lang="en-US" dirty="0">
+                <a:solidFill>
+                  <a:schemeClr val="tx1">
+                    <a:lumMod val="85000"/>
+                    <a:lumOff val="15000"/>
+                  </a:schemeClr>
+                </a:solidFill>
+              </a:rPr>
+              <a:t>Cassandra</a:t>
+            </a:r>
+          </a:p>
+        </p:txBody>
+      </p:sp>
+      <p:sp>
+        <p:nvSpPr>
+          <p:cNvPr id="14" name="Rectangle 13">
+            <a:extLst>
+              <a:ext uri="{FF2B5EF4-FFF2-40B4-BE49-F238E27FC236}">
+                <a16:creationId xmlns:a16="http://schemas.microsoft.com/office/drawing/2014/main" id="{6CA589D5-26CC-446D-A210-0DBFD247305C}"/>
+              </a:ext>
+            </a:extLst>
+          </p:cNvPr>
+          <p:cNvSpPr/>
+          <p:nvPr/>
+        </p:nvSpPr>
+        <p:spPr>
+          <a:xfrm>
+            <a:off x="9078984" y="4532872"/>
             <a:ext cx="2222696" cy="1084387"/>
           </a:xfrm>
           <a:prstGeom prst="rect">
@@ -3369,6 +4387,72 @@
           <a:lstStyle/>
           <a:p>
             <a:pPr algn="ctr"/>
+            <a:endParaRPr lang="en-US" dirty="0">
+              <a:solidFill>
+                <a:schemeClr val="tx1">
+                  <a:lumMod val="85000"/>
+                  <a:lumOff val="15000"/>
+                </a:schemeClr>
+              </a:solidFill>
+            </a:endParaRPr>
+          </a:p>
+          <a:p>
+            <a:pPr algn="ctr"/>
+            <a:endParaRPr lang="en-US" dirty="0">
+              <a:solidFill>
+                <a:schemeClr val="tx1">
+                  <a:lumMod val="85000"/>
+                  <a:lumOff val="15000"/>
+                </a:schemeClr>
+              </a:solidFill>
+            </a:endParaRPr>
+          </a:p>
+          <a:p>
+            <a:pPr algn="ctr"/>
+            <a:endParaRPr lang="en-US" sz="1400" dirty="0">
+              <a:solidFill>
+                <a:schemeClr val="tx1">
+                  <a:lumMod val="85000"/>
+                  <a:lumOff val="15000"/>
+                </a:schemeClr>
+              </a:solidFill>
+            </a:endParaRPr>
+          </a:p>
+          <a:p>
+            <a:pPr algn="ctr"/>
+            <a:endParaRPr lang="en-US" dirty="0">
+              <a:solidFill>
+                <a:schemeClr val="tx1">
+                  <a:lumMod val="85000"/>
+                  <a:lumOff val="15000"/>
+                </a:schemeClr>
+              </a:solidFill>
+            </a:endParaRPr>
+          </a:p>
+          <a:p>
+            <a:pPr algn="ctr"/>
+            <a:endParaRPr lang="en-US" dirty="0">
+              <a:solidFill>
+                <a:schemeClr val="tx1">
+                  <a:lumMod val="85000"/>
+                  <a:lumOff val="15000"/>
+                </a:schemeClr>
+              </a:solidFill>
+            </a:endParaRPr>
+          </a:p>
+          <a:p>
+            <a:pPr algn="ctr"/>
+            <a:endParaRPr lang="en-US" dirty="0">
+              <a:solidFill>
+                <a:schemeClr val="tx1">
+                  <a:lumMod val="85000"/>
+                  <a:lumOff val="15000"/>
+                </a:schemeClr>
+              </a:solidFill>
+            </a:endParaRPr>
+          </a:p>
+          <a:p>
+            <a:pPr algn="ctr"/>
             <a:r>
               <a:rPr lang="en-US" dirty="0">
                 <a:solidFill>
@@ -3378,7 +4462,7 @@
                   </a:schemeClr>
                 </a:solidFill>
               </a:rPr>
-              <a:t>NoSQL</a:t>
+              <a:t>Time series Analytics</a:t>
             </a:r>
           </a:p>
           <a:p>
@@ -3418,10 +4502,10 @@
       </p:sp>
       <p:sp>
         <p:nvSpPr>
-          <p:cNvPr id="5" name="Rectangle 4">
-            <a:extLst>
-              <a:ext uri="{FF2B5EF4-FFF2-40B4-BE49-F238E27FC236}">
-                <a16:creationId xmlns:a16="http://schemas.microsoft.com/office/drawing/2014/main" id="{B0F4589C-77C9-437C-AA15-A0328168A29C}"/>
+          <p:cNvPr id="15" name="Rectangle 14">
+            <a:extLst>
+              <a:ext uri="{FF2B5EF4-FFF2-40B4-BE49-F238E27FC236}">
+                <a16:creationId xmlns:a16="http://schemas.microsoft.com/office/drawing/2014/main" id="{85FF19D2-50CC-430B-9F26-1C0F8F06CC3D}"/>
               </a:ext>
             </a:extLst>
           </p:cNvPr>
@@ -3430,164 +4514,7 @@
         </p:nvSpPr>
         <p:spPr>
           <a:xfrm>
-            <a:off x="4903930" y="229688"/>
-            <a:ext cx="1547446" cy="1081244"/>
-          </a:xfrm>
-          <a:prstGeom prst="rect">
-            <a:avLst/>
-          </a:prstGeom>
-          <a:solidFill>
-            <a:schemeClr val="accent1">
-              <a:lumMod val="20000"/>
-              <a:lumOff val="80000"/>
-            </a:schemeClr>
-          </a:solidFill>
-        </p:spPr>
-        <p:style>
-          <a:lnRef idx="2">
-            <a:schemeClr val="accent1">
-              <a:shade val="50000"/>
-            </a:schemeClr>
-          </a:lnRef>
-          <a:fillRef idx="1">
-            <a:schemeClr val="accent1"/>
-          </a:fillRef>
-          <a:effectRef idx="0">
-            <a:schemeClr val="accent1"/>
-          </a:effectRef>
-          <a:fontRef idx="minor">
-            <a:schemeClr val="lt1"/>
-          </a:fontRef>
-        </p:style>
-        <p:txBody>
-          <a:bodyPr rtlCol="0" anchor="ctr"/>
-          <a:lstStyle/>
-          <a:p>
-            <a:pPr algn="ctr"/>
-            <a:r>
-              <a:rPr lang="en-US" dirty="0">
-                <a:solidFill>
-                  <a:schemeClr val="tx1">
-                    <a:lumMod val="85000"/>
-                    <a:lumOff val="15000"/>
-                  </a:schemeClr>
-                </a:solidFill>
-              </a:rPr>
-              <a:t>Producer API</a:t>
-            </a:r>
-          </a:p>
-          <a:p>
-            <a:pPr algn="ctr"/>
-            <a:endParaRPr lang="en-US" sz="1100" dirty="0">
-              <a:solidFill>
-                <a:schemeClr val="tx1">
-                  <a:lumMod val="85000"/>
-                  <a:lumOff val="15000"/>
-                </a:schemeClr>
-              </a:solidFill>
-            </a:endParaRPr>
-          </a:p>
-          <a:p>
-            <a:pPr algn="ctr"/>
-            <a:endParaRPr lang="en-US" dirty="0">
-              <a:solidFill>
-                <a:schemeClr val="tx1">
-                  <a:lumMod val="85000"/>
-                  <a:lumOff val="15000"/>
-                </a:schemeClr>
-              </a:solidFill>
-            </a:endParaRPr>
-          </a:p>
-          <a:p>
-            <a:pPr algn="ctr"/>
-            <a:endParaRPr lang="en-US" dirty="0">
-              <a:solidFill>
-                <a:schemeClr val="tx1">
-                  <a:lumMod val="85000"/>
-                  <a:lumOff val="15000"/>
-                </a:schemeClr>
-              </a:solidFill>
-            </a:endParaRPr>
-          </a:p>
-        </p:txBody>
-      </p:sp>
-      <p:sp>
-        <p:nvSpPr>
-          <p:cNvPr id="8" name="Rectangle 7">
-            <a:extLst>
-              <a:ext uri="{FF2B5EF4-FFF2-40B4-BE49-F238E27FC236}">
-                <a16:creationId xmlns:a16="http://schemas.microsoft.com/office/drawing/2014/main" id="{24B6FF56-5C51-41AA-8A49-2572D5CACAB2}"/>
-              </a:ext>
-            </a:extLst>
-          </p:cNvPr>
-          <p:cNvSpPr/>
-          <p:nvPr/>
-        </p:nvSpPr>
-        <p:spPr>
-          <a:xfrm>
-            <a:off x="3673006" y="2099767"/>
-            <a:ext cx="4009293" cy="644763"/>
-          </a:xfrm>
-          <a:prstGeom prst="rect">
-            <a:avLst/>
-          </a:prstGeom>
-          <a:solidFill>
-            <a:schemeClr val="accent1">
-              <a:lumMod val="60000"/>
-              <a:lumOff val="40000"/>
-            </a:schemeClr>
-          </a:solidFill>
-        </p:spPr>
-        <p:style>
-          <a:lnRef idx="2">
-            <a:schemeClr val="accent1">
-              <a:shade val="50000"/>
-            </a:schemeClr>
-          </a:lnRef>
-          <a:fillRef idx="1">
-            <a:schemeClr val="accent1"/>
-          </a:fillRef>
-          <a:effectRef idx="0">
-            <a:schemeClr val="accent1"/>
-          </a:effectRef>
-          <a:fontRef idx="minor">
-            <a:schemeClr val="lt1"/>
-          </a:fontRef>
-        </p:style>
-        <p:txBody>
-          <a:bodyPr rtlCol="0" anchor="ctr"/>
-          <a:lstStyle/>
-          <a:p>
-            <a:pPr algn="ctr"/>
-            <a:r>
-              <a:rPr lang="en-US" dirty="0">
-                <a:solidFill>
-                  <a:schemeClr val="tx1">
-                    <a:lumMod val="85000"/>
-                    <a:lumOff val="15000"/>
-                  </a:schemeClr>
-                </a:solidFill>
-              </a:rPr>
-              <a:t>Kafka Cluster</a:t>
-            </a:r>
-          </a:p>
-        </p:txBody>
-      </p:sp>
-      <p:sp>
-        <p:nvSpPr>
-          <p:cNvPr id="10" name="Rectangle 9">
-            <a:extLst>
-              <a:ext uri="{FF2B5EF4-FFF2-40B4-BE49-F238E27FC236}">
-                <a16:creationId xmlns:a16="http://schemas.microsoft.com/office/drawing/2014/main" id="{D916B78E-9CDC-4004-89CA-B72DE68F9596}"/>
-              </a:ext>
-            </a:extLst>
-          </p:cNvPr>
-          <p:cNvSpPr/>
-          <p:nvPr/>
-        </p:nvSpPr>
-        <p:spPr>
-          <a:xfrm>
-            <a:off x="3687075" y="3611207"/>
+            <a:off x="9416609" y="4758541"/>
             <a:ext cx="1547446" cy="548640"/>
           </a:xfrm>
           <a:prstGeom prst="rect">
@@ -3630,184 +4557,17 @@
                   </a:schemeClr>
                 </a:solidFill>
               </a:rPr>
-              <a:t>Consumer 1</a:t>
-            </a:r>
-          </a:p>
-        </p:txBody>
-      </p:sp>
-      <p:sp>
-        <p:nvSpPr>
-          <p:cNvPr id="11" name="Rectangle 10">
-            <a:extLst>
-              <a:ext uri="{FF2B5EF4-FFF2-40B4-BE49-F238E27FC236}">
-                <a16:creationId xmlns:a16="http://schemas.microsoft.com/office/drawing/2014/main" id="{0A43071D-97C2-41A5-9EF6-DF77FBFAD5A3}"/>
-              </a:ext>
-            </a:extLst>
-          </p:cNvPr>
-          <p:cNvSpPr/>
-          <p:nvPr/>
-        </p:nvSpPr>
-        <p:spPr>
-          <a:xfrm>
-            <a:off x="6104377" y="3622927"/>
-            <a:ext cx="1547446" cy="548640"/>
-          </a:xfrm>
-          <a:prstGeom prst="rect">
-            <a:avLst/>
-          </a:prstGeom>
-          <a:solidFill>
-            <a:schemeClr val="accent1">
-              <a:lumMod val="20000"/>
-              <a:lumOff val="80000"/>
-            </a:schemeClr>
-          </a:solidFill>
-        </p:spPr>
-        <p:style>
-          <a:lnRef idx="2">
-            <a:schemeClr val="accent1">
-              <a:shade val="50000"/>
-            </a:schemeClr>
-          </a:lnRef>
-          <a:fillRef idx="1">
-            <a:schemeClr val="accent1"/>
-          </a:fillRef>
-          <a:effectRef idx="0">
-            <a:schemeClr val="accent1"/>
-          </a:effectRef>
-          <a:fontRef idx="minor">
-            <a:schemeClr val="lt1"/>
-          </a:fontRef>
-        </p:style>
-        <p:txBody>
-          <a:bodyPr rtlCol="0" anchor="ctr"/>
-          <a:lstStyle/>
-          <a:p>
-            <a:pPr algn="ctr"/>
-            <a:r>
-              <a:rPr lang="en-US" dirty="0">
-                <a:solidFill>
-                  <a:schemeClr val="tx1">
-                    <a:lumMod val="85000"/>
-                    <a:lumOff val="15000"/>
-                  </a:schemeClr>
-                </a:solidFill>
-              </a:rPr>
-              <a:t>Consumer 2</a:t>
+              <a:t>Monitors</a:t>
             </a:r>
           </a:p>
         </p:txBody>
       </p:sp>
       <p:cxnSp>
         <p:nvCxnSpPr>
-          <p:cNvPr id="19" name="Straight Arrow Connector 18">
-            <a:extLst>
-              <a:ext uri="{FF2B5EF4-FFF2-40B4-BE49-F238E27FC236}">
-                <a16:creationId xmlns:a16="http://schemas.microsoft.com/office/drawing/2014/main" id="{85D275A4-0CA2-46F4-A746-EAB41DDE999B}"/>
-              </a:ext>
-            </a:extLst>
-          </p:cNvPr>
-          <p:cNvCxnSpPr>
-            <a:cxnSpLocks/>
-            <a:stCxn id="5" idx="2"/>
-            <a:endCxn id="8" idx="0"/>
-          </p:cNvCxnSpPr>
-          <p:nvPr/>
-        </p:nvCxnSpPr>
-        <p:spPr>
-          <a:xfrm>
-            <a:off x="5677653" y="1310932"/>
-            <a:ext cx="0" cy="788835"/>
-          </a:xfrm>
-          <a:prstGeom prst="straightConnector1">
-            <a:avLst/>
-          </a:prstGeom>
-          <a:ln w="25400">
-            <a:tailEnd type="triangle"/>
-          </a:ln>
-        </p:spPr>
-        <p:style>
-          <a:lnRef idx="1">
-            <a:schemeClr val="accent1"/>
-          </a:lnRef>
-          <a:fillRef idx="0">
-            <a:schemeClr val="accent1"/>
-          </a:fillRef>
-          <a:effectRef idx="0">
-            <a:schemeClr val="accent1"/>
-          </a:effectRef>
-          <a:fontRef idx="minor">
-            <a:schemeClr val="tx1"/>
-          </a:fontRef>
-        </p:style>
-      </p:cxnSp>
-      <p:sp>
-        <p:nvSpPr>
-          <p:cNvPr id="23" name="Rectangle 22">
-            <a:extLst>
-              <a:ext uri="{FF2B5EF4-FFF2-40B4-BE49-F238E27FC236}">
-                <a16:creationId xmlns:a16="http://schemas.microsoft.com/office/drawing/2014/main" id="{059E9500-5963-4D96-A532-92DF5EB4F066}"/>
-              </a:ext>
-            </a:extLst>
-          </p:cNvPr>
-          <p:cNvSpPr/>
-          <p:nvPr/>
-        </p:nvSpPr>
-        <p:spPr>
-          <a:xfrm>
-            <a:off x="1248671" y="3610030"/>
-            <a:ext cx="1547446" cy="548640"/>
-          </a:xfrm>
-          <a:prstGeom prst="rect">
-            <a:avLst/>
-          </a:prstGeom>
-          <a:solidFill>
-            <a:schemeClr val="accent1">
-              <a:lumMod val="20000"/>
-              <a:lumOff val="80000"/>
-            </a:schemeClr>
-          </a:solidFill>
-        </p:spPr>
-        <p:style>
-          <a:lnRef idx="2">
-            <a:schemeClr val="accent1">
-              <a:shade val="50000"/>
-            </a:schemeClr>
-          </a:lnRef>
-          <a:fillRef idx="1">
-            <a:schemeClr val="accent1"/>
-          </a:fillRef>
-          <a:effectRef idx="0">
-            <a:schemeClr val="accent1"/>
-          </a:effectRef>
-          <a:fontRef idx="minor">
-            <a:schemeClr val="lt1"/>
-          </a:fontRef>
-        </p:style>
-        <p:txBody>
-          <a:bodyPr rtlCol="0" anchor="ctr"/>
-          <a:lstStyle/>
-          <a:p>
-            <a:pPr algn="ctr"/>
-            <a:r>
-              <a:rPr lang="en-US" dirty="0">
-                <a:solidFill>
-                  <a:schemeClr val="tx1">
-                    <a:lumMod val="85000"/>
-                    <a:lumOff val="15000"/>
-                  </a:schemeClr>
-                </a:solidFill>
-              </a:rPr>
-              <a:t>Redis</a:t>
-            </a:r>
-          </a:p>
-        </p:txBody>
-      </p:sp>
-      <p:cxnSp>
-        <p:nvCxnSpPr>
-          <p:cNvPr id="24" name="Straight Arrow Connector 23">
-            <a:extLst>
-              <a:ext uri="{FF2B5EF4-FFF2-40B4-BE49-F238E27FC236}">
-                <a16:creationId xmlns:a16="http://schemas.microsoft.com/office/drawing/2014/main" id="{15B73ACC-6351-4D1A-9243-602AA81D4D45}"/>
+          <p:cNvPr id="16" name="Straight Arrow Connector 15">
+            <a:extLst>
+              <a:ext uri="{FF2B5EF4-FFF2-40B4-BE49-F238E27FC236}">
+                <a16:creationId xmlns:a16="http://schemas.microsoft.com/office/drawing/2014/main" id="{05EB9EBC-71B4-4A68-99CE-C03460201E6A}"/>
               </a:ext>
             </a:extLst>
           </p:cNvPr>
@@ -3818,576 +4578,7 @@
         </p:nvCxnSpPr>
         <p:spPr>
           <a:xfrm>
-            <a:off x="2796117" y="3842146"/>
-            <a:ext cx="890958" cy="1177"/>
-          </a:xfrm>
-          <a:prstGeom prst="straightConnector1">
-            <a:avLst/>
-          </a:prstGeom>
-          <a:ln w="25400">
-            <a:tailEnd type="triangle"/>
-          </a:ln>
-        </p:spPr>
-        <p:style>
-          <a:lnRef idx="1">
-            <a:schemeClr val="accent1"/>
-          </a:lnRef>
-          <a:fillRef idx="0">
-            <a:schemeClr val="accent1"/>
-          </a:fillRef>
-          <a:effectRef idx="0">
-            <a:schemeClr val="accent1"/>
-          </a:effectRef>
-          <a:fontRef idx="minor">
-            <a:schemeClr val="tx1"/>
-          </a:fontRef>
-        </p:style>
-      </p:cxnSp>
-      <p:cxnSp>
-        <p:nvCxnSpPr>
-          <p:cNvPr id="27" name="Straight Arrow Connector 26">
-            <a:extLst>
-              <a:ext uri="{FF2B5EF4-FFF2-40B4-BE49-F238E27FC236}">
-                <a16:creationId xmlns:a16="http://schemas.microsoft.com/office/drawing/2014/main" id="{A1181079-0279-47BD-B201-344200004189}"/>
-              </a:ext>
-            </a:extLst>
-          </p:cNvPr>
-          <p:cNvCxnSpPr>
-            <a:cxnSpLocks/>
-          </p:cNvCxnSpPr>
-          <p:nvPr/>
-        </p:nvCxnSpPr>
-        <p:spPr>
-          <a:xfrm>
-            <a:off x="2723429" y="3994546"/>
-            <a:ext cx="890958" cy="1177"/>
-          </a:xfrm>
-          <a:prstGeom prst="straightConnector1">
-            <a:avLst/>
-          </a:prstGeom>
-          <a:ln w="25400">
-            <a:tailEnd type="triangle"/>
-          </a:ln>
-          <a:scene3d>
-            <a:camera prst="orthographicFront">
-              <a:rot lat="0" lon="10800000" rev="0"/>
-            </a:camera>
-            <a:lightRig rig="threePt" dir="t"/>
-          </a:scene3d>
-        </p:spPr>
-        <p:style>
-          <a:lnRef idx="1">
-            <a:schemeClr val="accent1"/>
-          </a:lnRef>
-          <a:fillRef idx="0">
-            <a:schemeClr val="accent1"/>
-          </a:fillRef>
-          <a:effectRef idx="0">
-            <a:schemeClr val="accent1"/>
-          </a:effectRef>
-          <a:fontRef idx="minor">
-            <a:schemeClr val="tx1"/>
-          </a:fontRef>
-        </p:style>
-      </p:cxnSp>
-      <p:sp>
-        <p:nvSpPr>
-          <p:cNvPr id="28" name="Rectangle 27">
-            <a:extLst>
-              <a:ext uri="{FF2B5EF4-FFF2-40B4-BE49-F238E27FC236}">
-                <a16:creationId xmlns:a16="http://schemas.microsoft.com/office/drawing/2014/main" id="{57F35942-A13A-4D61-8BAF-D3E80C3399C0}"/>
-              </a:ext>
-            </a:extLst>
-          </p:cNvPr>
-          <p:cNvSpPr/>
-          <p:nvPr/>
-        </p:nvSpPr>
-        <p:spPr>
-          <a:xfrm>
-            <a:off x="3670658" y="4862064"/>
-            <a:ext cx="4009293" cy="1847551"/>
-          </a:xfrm>
-          <a:prstGeom prst="rect">
-            <a:avLst/>
-          </a:prstGeom>
-          <a:solidFill>
-            <a:schemeClr val="accent1">
-              <a:lumMod val="60000"/>
-              <a:lumOff val="40000"/>
-            </a:schemeClr>
-          </a:solidFill>
-        </p:spPr>
-        <p:style>
-          <a:lnRef idx="2">
-            <a:schemeClr val="accent1">
-              <a:shade val="50000"/>
-            </a:schemeClr>
-          </a:lnRef>
-          <a:fillRef idx="1">
-            <a:schemeClr val="accent1"/>
-          </a:fillRef>
-          <a:effectRef idx="0">
-            <a:schemeClr val="accent1"/>
-          </a:effectRef>
-          <a:fontRef idx="minor">
-            <a:schemeClr val="lt1"/>
-          </a:fontRef>
-        </p:style>
-        <p:txBody>
-          <a:bodyPr rtlCol="0" anchor="ctr"/>
-          <a:lstStyle/>
-          <a:p>
-            <a:pPr algn="ctr"/>
-            <a:r>
-              <a:rPr lang="en-US" dirty="0">
-                <a:solidFill>
-                  <a:schemeClr val="tx1">
-                    <a:lumMod val="85000"/>
-                    <a:lumOff val="15000"/>
-                  </a:schemeClr>
-                </a:solidFill>
-              </a:rPr>
-              <a:t>NoSQL</a:t>
-            </a:r>
-          </a:p>
-          <a:p>
-            <a:pPr algn="ctr"/>
-            <a:endParaRPr lang="en-US" dirty="0">
-              <a:solidFill>
-                <a:schemeClr val="tx1">
-                  <a:lumMod val="85000"/>
-                  <a:lumOff val="15000"/>
-                </a:schemeClr>
-              </a:solidFill>
-            </a:endParaRPr>
-          </a:p>
-          <a:p>
-            <a:pPr algn="ctr"/>
-            <a:endParaRPr lang="en-US" dirty="0">
-              <a:solidFill>
-                <a:schemeClr val="tx1">
-                  <a:lumMod val="85000"/>
-                  <a:lumOff val="15000"/>
-                </a:schemeClr>
-              </a:solidFill>
-            </a:endParaRPr>
-          </a:p>
-          <a:p>
-            <a:pPr algn="ctr"/>
-            <a:endParaRPr lang="en-US" dirty="0">
-              <a:solidFill>
-                <a:schemeClr val="tx1">
-                  <a:lumMod val="85000"/>
-                  <a:lumOff val="15000"/>
-                </a:schemeClr>
-              </a:solidFill>
-            </a:endParaRPr>
-          </a:p>
-          <a:p>
-            <a:pPr algn="ctr"/>
-            <a:endParaRPr lang="en-US" dirty="0">
-              <a:solidFill>
-                <a:schemeClr val="tx1">
-                  <a:lumMod val="85000"/>
-                  <a:lumOff val="15000"/>
-                </a:schemeClr>
-              </a:solidFill>
-            </a:endParaRPr>
-          </a:p>
-        </p:txBody>
-      </p:sp>
-      <p:sp>
-        <p:nvSpPr>
-          <p:cNvPr id="29" name="Rectangle 28">
-            <a:extLst>
-              <a:ext uri="{FF2B5EF4-FFF2-40B4-BE49-F238E27FC236}">
-                <a16:creationId xmlns:a16="http://schemas.microsoft.com/office/drawing/2014/main" id="{0657F2EB-8356-475F-BA75-C4C45F5B863E}"/>
-              </a:ext>
-            </a:extLst>
-          </p:cNvPr>
-          <p:cNvSpPr/>
-          <p:nvPr/>
-        </p:nvSpPr>
-        <p:spPr>
-          <a:xfrm>
-            <a:off x="3839475" y="5634615"/>
-            <a:ext cx="1547446" cy="548640"/>
-          </a:xfrm>
-          <a:prstGeom prst="rect">
-            <a:avLst/>
-          </a:prstGeom>
-          <a:solidFill>
-            <a:schemeClr val="accent1">
-              <a:lumMod val="20000"/>
-              <a:lumOff val="80000"/>
-            </a:schemeClr>
-          </a:solidFill>
-        </p:spPr>
-        <p:style>
-          <a:lnRef idx="2">
-            <a:schemeClr val="accent1">
-              <a:shade val="50000"/>
-            </a:schemeClr>
-          </a:lnRef>
-          <a:fillRef idx="1">
-            <a:schemeClr val="accent1"/>
-          </a:fillRef>
-          <a:effectRef idx="0">
-            <a:schemeClr val="accent1"/>
-          </a:effectRef>
-          <a:fontRef idx="minor">
-            <a:schemeClr val="lt1"/>
-          </a:fontRef>
-        </p:style>
-        <p:txBody>
-          <a:bodyPr rtlCol="0" anchor="ctr"/>
-          <a:lstStyle/>
-          <a:p>
-            <a:pPr algn="ctr"/>
-            <a:r>
-              <a:rPr lang="en-US" dirty="0">
-                <a:solidFill>
-                  <a:schemeClr val="tx1">
-                    <a:lumMod val="85000"/>
-                    <a:lumOff val="15000"/>
-                  </a:schemeClr>
-                </a:solidFill>
-              </a:rPr>
-              <a:t>Elasticsearch</a:t>
-            </a:r>
-          </a:p>
-        </p:txBody>
-      </p:sp>
-      <p:sp>
-        <p:nvSpPr>
-          <p:cNvPr id="30" name="Rectangle 29">
-            <a:extLst>
-              <a:ext uri="{FF2B5EF4-FFF2-40B4-BE49-F238E27FC236}">
-                <a16:creationId xmlns:a16="http://schemas.microsoft.com/office/drawing/2014/main" id="{FDE9F2E6-F9EF-4EA5-9CE9-DE4D8353B02D}"/>
-              </a:ext>
-            </a:extLst>
-          </p:cNvPr>
-          <p:cNvSpPr/>
-          <p:nvPr/>
-        </p:nvSpPr>
-        <p:spPr>
-          <a:xfrm>
-            <a:off x="5989486" y="5660403"/>
-            <a:ext cx="1547446" cy="548640"/>
-          </a:xfrm>
-          <a:prstGeom prst="rect">
-            <a:avLst/>
-          </a:prstGeom>
-          <a:solidFill>
-            <a:schemeClr val="accent1">
-              <a:lumMod val="20000"/>
-              <a:lumOff val="80000"/>
-            </a:schemeClr>
-          </a:solidFill>
-        </p:spPr>
-        <p:style>
-          <a:lnRef idx="2">
-            <a:schemeClr val="accent1">
-              <a:shade val="50000"/>
-            </a:schemeClr>
-          </a:lnRef>
-          <a:fillRef idx="1">
-            <a:schemeClr val="accent1"/>
-          </a:fillRef>
-          <a:effectRef idx="0">
-            <a:schemeClr val="accent1"/>
-          </a:effectRef>
-          <a:fontRef idx="minor">
-            <a:schemeClr val="lt1"/>
-          </a:fontRef>
-        </p:style>
-        <p:txBody>
-          <a:bodyPr rtlCol="0" anchor="ctr"/>
-          <a:lstStyle/>
-          <a:p>
-            <a:pPr algn="ctr"/>
-            <a:r>
-              <a:rPr lang="en-US" dirty="0">
-                <a:solidFill>
-                  <a:schemeClr val="tx1">
-                    <a:lumMod val="85000"/>
-                    <a:lumOff val="15000"/>
-                  </a:schemeClr>
-                </a:solidFill>
-              </a:rPr>
-              <a:t>Cassandra</a:t>
-            </a:r>
-          </a:p>
-        </p:txBody>
-      </p:sp>
-      <p:cxnSp>
-        <p:nvCxnSpPr>
-          <p:cNvPr id="31" name="Straight Arrow Connector 30">
-            <a:extLst>
-              <a:ext uri="{FF2B5EF4-FFF2-40B4-BE49-F238E27FC236}">
-                <a16:creationId xmlns:a16="http://schemas.microsoft.com/office/drawing/2014/main" id="{5E4F591C-C29B-4982-B757-09F7B109AFF9}"/>
-              </a:ext>
-            </a:extLst>
-          </p:cNvPr>
-          <p:cNvCxnSpPr>
-            <a:cxnSpLocks/>
-          </p:cNvCxnSpPr>
-          <p:nvPr/>
-        </p:nvCxnSpPr>
-        <p:spPr>
-          <a:xfrm flipV="1">
-            <a:off x="6878100" y="4255975"/>
-            <a:ext cx="0" cy="690498"/>
-          </a:xfrm>
-          <a:prstGeom prst="straightConnector1">
-            <a:avLst/>
-          </a:prstGeom>
-          <a:ln w="25400">
-            <a:tailEnd type="triangle"/>
-          </a:ln>
-          <a:scene3d>
-            <a:camera prst="orthographicFront">
-              <a:rot lat="10800000" lon="0" rev="0"/>
-            </a:camera>
-            <a:lightRig rig="threePt" dir="t"/>
-          </a:scene3d>
-        </p:spPr>
-        <p:style>
-          <a:lnRef idx="1">
-            <a:schemeClr val="accent1"/>
-          </a:lnRef>
-          <a:fillRef idx="0">
-            <a:schemeClr val="accent1"/>
-          </a:fillRef>
-          <a:effectRef idx="0">
-            <a:schemeClr val="accent1"/>
-          </a:effectRef>
-          <a:fontRef idx="minor">
-            <a:schemeClr val="tx1"/>
-          </a:fontRef>
-        </p:style>
-      </p:cxnSp>
-      <p:cxnSp>
-        <p:nvCxnSpPr>
-          <p:cNvPr id="34" name="Straight Arrow Connector 33">
-            <a:extLst>
-              <a:ext uri="{FF2B5EF4-FFF2-40B4-BE49-F238E27FC236}">
-                <a16:creationId xmlns:a16="http://schemas.microsoft.com/office/drawing/2014/main" id="{F3F46BE3-D65F-425D-AB68-17FF9C776F68}"/>
-              </a:ext>
-            </a:extLst>
-          </p:cNvPr>
-          <p:cNvCxnSpPr>
-            <a:cxnSpLocks/>
-          </p:cNvCxnSpPr>
-          <p:nvPr/>
-        </p:nvCxnSpPr>
-        <p:spPr>
-          <a:xfrm flipV="1">
-            <a:off x="4399844" y="4253627"/>
-            <a:ext cx="0" cy="690498"/>
-          </a:xfrm>
-          <a:prstGeom prst="straightConnector1">
-            <a:avLst/>
-          </a:prstGeom>
-          <a:ln w="25400">
-            <a:tailEnd type="triangle"/>
-          </a:ln>
-          <a:scene3d>
-            <a:camera prst="orthographicFront">
-              <a:rot lat="10800000" lon="0" rev="0"/>
-            </a:camera>
-            <a:lightRig rig="threePt" dir="t"/>
-          </a:scene3d>
-        </p:spPr>
-        <p:style>
-          <a:lnRef idx="1">
-            <a:schemeClr val="accent1"/>
-          </a:lnRef>
-          <a:fillRef idx="0">
-            <a:schemeClr val="accent1"/>
-          </a:fillRef>
-          <a:effectRef idx="0">
-            <a:schemeClr val="accent1"/>
-          </a:effectRef>
-          <a:fontRef idx="minor">
-            <a:schemeClr val="tx1"/>
-          </a:fontRef>
-        </p:style>
-      </p:cxnSp>
-      <p:sp>
-        <p:nvSpPr>
-          <p:cNvPr id="36" name="Rectangle 35">
-            <a:extLst>
-              <a:ext uri="{FF2B5EF4-FFF2-40B4-BE49-F238E27FC236}">
-                <a16:creationId xmlns:a16="http://schemas.microsoft.com/office/drawing/2014/main" id="{E855D139-2ACE-4812-8FFE-1ADAAB7769DA}"/>
-              </a:ext>
-            </a:extLst>
-          </p:cNvPr>
-          <p:cNvSpPr/>
-          <p:nvPr/>
-        </p:nvSpPr>
-        <p:spPr>
-          <a:xfrm>
-            <a:off x="927456" y="5335079"/>
-            <a:ext cx="2222696" cy="1084387"/>
-          </a:xfrm>
-          <a:prstGeom prst="rect">
-            <a:avLst/>
-          </a:prstGeom>
-          <a:solidFill>
-            <a:schemeClr val="accent1">
-              <a:lumMod val="60000"/>
-              <a:lumOff val="40000"/>
-            </a:schemeClr>
-          </a:solidFill>
-        </p:spPr>
-        <p:style>
-          <a:lnRef idx="2">
-            <a:schemeClr val="accent1">
-              <a:shade val="50000"/>
-            </a:schemeClr>
-          </a:lnRef>
-          <a:fillRef idx="1">
-            <a:schemeClr val="accent1"/>
-          </a:fillRef>
-          <a:effectRef idx="0">
-            <a:schemeClr val="accent1"/>
-          </a:effectRef>
-          <a:fontRef idx="minor">
-            <a:schemeClr val="lt1"/>
-          </a:fontRef>
-        </p:style>
-        <p:txBody>
-          <a:bodyPr rtlCol="0" anchor="ctr"/>
-          <a:lstStyle/>
-          <a:p>
-            <a:pPr algn="ctr"/>
-            <a:r>
-              <a:rPr lang="en-US" dirty="0">
-                <a:solidFill>
-                  <a:schemeClr val="tx1">
-                    <a:lumMod val="85000"/>
-                    <a:lumOff val="15000"/>
-                  </a:schemeClr>
-                </a:solidFill>
-              </a:rPr>
-              <a:t>Visualization</a:t>
-            </a:r>
-          </a:p>
-          <a:p>
-            <a:pPr algn="ctr"/>
-            <a:endParaRPr lang="en-US" dirty="0">
-              <a:solidFill>
-                <a:schemeClr val="tx1">
-                  <a:lumMod val="85000"/>
-                  <a:lumOff val="15000"/>
-                </a:schemeClr>
-              </a:solidFill>
-            </a:endParaRPr>
-          </a:p>
-          <a:p>
-            <a:pPr algn="ctr"/>
-            <a:endParaRPr lang="en-US" dirty="0">
-              <a:solidFill>
-                <a:schemeClr val="tx1">
-                  <a:lumMod val="85000"/>
-                  <a:lumOff val="15000"/>
-                </a:schemeClr>
-              </a:solidFill>
-            </a:endParaRPr>
-          </a:p>
-          <a:p>
-            <a:pPr algn="ctr"/>
-            <a:endParaRPr lang="en-US" dirty="0">
-              <a:solidFill>
-                <a:schemeClr val="tx1">
-                  <a:lumMod val="85000"/>
-                  <a:lumOff val="15000"/>
-                </a:schemeClr>
-              </a:solidFill>
-            </a:endParaRPr>
-          </a:p>
-        </p:txBody>
-      </p:sp>
-      <p:sp>
-        <p:nvSpPr>
-          <p:cNvPr id="37" name="Rectangle 36">
-            <a:extLst>
-              <a:ext uri="{FF2B5EF4-FFF2-40B4-BE49-F238E27FC236}">
-                <a16:creationId xmlns:a16="http://schemas.microsoft.com/office/drawing/2014/main" id="{76996BB4-7624-4D50-89DF-A2C4AFCBAE26}"/>
-              </a:ext>
-            </a:extLst>
-          </p:cNvPr>
-          <p:cNvSpPr/>
-          <p:nvPr/>
-        </p:nvSpPr>
-        <p:spPr>
-          <a:xfrm>
-            <a:off x="1246325" y="5633437"/>
-            <a:ext cx="1547446" cy="548640"/>
-          </a:xfrm>
-          <a:prstGeom prst="rect">
-            <a:avLst/>
-          </a:prstGeom>
-          <a:solidFill>
-            <a:schemeClr val="accent1">
-              <a:lumMod val="20000"/>
-              <a:lumOff val="80000"/>
-            </a:schemeClr>
-          </a:solidFill>
-        </p:spPr>
-        <p:style>
-          <a:lnRef idx="2">
-            <a:schemeClr val="accent1">
-              <a:shade val="50000"/>
-            </a:schemeClr>
-          </a:lnRef>
-          <a:fillRef idx="1">
-            <a:schemeClr val="accent1"/>
-          </a:fillRef>
-          <a:effectRef idx="0">
-            <a:schemeClr val="accent1"/>
-          </a:effectRef>
-          <a:fontRef idx="minor">
-            <a:schemeClr val="lt1"/>
-          </a:fontRef>
-        </p:style>
-        <p:txBody>
-          <a:bodyPr rtlCol="0" anchor="ctr"/>
-          <a:lstStyle/>
-          <a:p>
-            <a:pPr algn="ctr"/>
-            <a:r>
-              <a:rPr lang="en-US" dirty="0">
-                <a:solidFill>
-                  <a:schemeClr val="tx1">
-                    <a:lumMod val="85000"/>
-                    <a:lumOff val="15000"/>
-                  </a:schemeClr>
-                </a:solidFill>
-              </a:rPr>
-              <a:t>Grafana</a:t>
-            </a:r>
-          </a:p>
-        </p:txBody>
-      </p:sp>
-      <p:cxnSp>
-        <p:nvCxnSpPr>
-          <p:cNvPr id="38" name="Straight Arrow Connector 37">
-            <a:extLst>
-              <a:ext uri="{FF2B5EF4-FFF2-40B4-BE49-F238E27FC236}">
-                <a16:creationId xmlns:a16="http://schemas.microsoft.com/office/drawing/2014/main" id="{E5768D73-33C9-4DDB-BE30-6804C2E017D8}"/>
-              </a:ext>
-            </a:extLst>
-          </p:cNvPr>
-          <p:cNvCxnSpPr>
-            <a:cxnSpLocks/>
-          </p:cNvCxnSpPr>
-          <p:nvPr/>
-        </p:nvCxnSpPr>
-        <p:spPr>
-          <a:xfrm>
-            <a:off x="2821905" y="5851478"/>
+            <a:off x="8231946" y="2990715"/>
             <a:ext cx="1017570" cy="0"/>
           </a:xfrm>
           <a:prstGeom prst="straightConnector1">
@@ -4414,10 +4605,10 @@
       </p:cxnSp>
       <p:cxnSp>
         <p:nvCxnSpPr>
-          <p:cNvPr id="43" name="Straight Arrow Connector 42">
-            <a:extLst>
-              <a:ext uri="{FF2B5EF4-FFF2-40B4-BE49-F238E27FC236}">
-                <a16:creationId xmlns:a16="http://schemas.microsoft.com/office/drawing/2014/main" id="{F11341BF-842B-427F-A4E9-132FE4685462}"/>
+          <p:cNvPr id="17" name="Straight Arrow Connector 16">
+            <a:extLst>
+              <a:ext uri="{FF2B5EF4-FFF2-40B4-BE49-F238E27FC236}">
+                <a16:creationId xmlns:a16="http://schemas.microsoft.com/office/drawing/2014/main" id="{83F16617-FBFB-42FA-B692-4CBB755970A4}"/>
               </a:ext>
             </a:extLst>
           </p:cNvPr>
@@ -4428,7 +4619,7 @@
         </p:nvCxnSpPr>
         <p:spPr>
           <a:xfrm>
-            <a:off x="2735149" y="6003878"/>
+            <a:off x="8145190" y="3143115"/>
             <a:ext cx="1017570" cy="0"/>
           </a:xfrm>
           <a:prstGeom prst="straightConnector1">
@@ -4461,10 +4652,10 @@
       </p:cxnSp>
       <p:sp>
         <p:nvSpPr>
-          <p:cNvPr id="44" name="Rectangle 43">
-            <a:extLst>
-              <a:ext uri="{FF2B5EF4-FFF2-40B4-BE49-F238E27FC236}">
-                <a16:creationId xmlns:a16="http://schemas.microsoft.com/office/drawing/2014/main" id="{38953FA0-4A29-4D46-A991-165C1BF7C533}"/>
+          <p:cNvPr id="18" name="Rectangle: Rounded Corners 17">
+            <a:extLst>
+              <a:ext uri="{FF2B5EF4-FFF2-40B4-BE49-F238E27FC236}">
+                <a16:creationId xmlns:a16="http://schemas.microsoft.com/office/drawing/2014/main" id="{E1CA5635-DF7F-440C-A657-FB4578F6ECA7}"/>
               </a:ext>
             </a:extLst>
           </p:cNvPr>
@@ -4473,253 +4664,8 @@
         </p:nvSpPr>
         <p:spPr>
           <a:xfrm>
-            <a:off x="8258747" y="5335078"/>
-            <a:ext cx="2222696" cy="1084387"/>
-          </a:xfrm>
-          <a:prstGeom prst="rect">
-            <a:avLst/>
-          </a:prstGeom>
-          <a:solidFill>
-            <a:schemeClr val="accent1">
-              <a:lumMod val="60000"/>
-              <a:lumOff val="40000"/>
-            </a:schemeClr>
-          </a:solidFill>
-        </p:spPr>
-        <p:style>
-          <a:lnRef idx="2">
-            <a:schemeClr val="accent1">
-              <a:shade val="50000"/>
-            </a:schemeClr>
-          </a:lnRef>
-          <a:fillRef idx="1">
-            <a:schemeClr val="accent1"/>
-          </a:fillRef>
-          <a:effectRef idx="0">
-            <a:schemeClr val="accent1"/>
-          </a:effectRef>
-          <a:fontRef idx="minor">
-            <a:schemeClr val="lt1"/>
-          </a:fontRef>
-        </p:style>
-        <p:txBody>
-          <a:bodyPr rtlCol="0" anchor="ctr"/>
-          <a:lstStyle/>
-          <a:p>
-            <a:pPr algn="ctr"/>
-            <a:r>
-              <a:rPr lang="en-US" dirty="0">
-                <a:solidFill>
-                  <a:schemeClr val="tx1">
-                    <a:lumMod val="85000"/>
-                    <a:lumOff val="15000"/>
-                  </a:schemeClr>
-                </a:solidFill>
-              </a:rPr>
-              <a:t>Time series Analysis</a:t>
-            </a:r>
-          </a:p>
-          <a:p>
-            <a:pPr algn="ctr"/>
-            <a:endParaRPr lang="en-US" dirty="0">
-              <a:solidFill>
-                <a:schemeClr val="tx1">
-                  <a:lumMod val="85000"/>
-                  <a:lumOff val="15000"/>
-                </a:schemeClr>
-              </a:solidFill>
-            </a:endParaRPr>
-          </a:p>
-          <a:p>
-            <a:pPr algn="ctr"/>
-            <a:endParaRPr lang="en-US" dirty="0">
-              <a:solidFill>
-                <a:schemeClr val="tx1">
-                  <a:lumMod val="85000"/>
-                  <a:lumOff val="15000"/>
-                </a:schemeClr>
-              </a:solidFill>
-            </a:endParaRPr>
-          </a:p>
-          <a:p>
-            <a:pPr algn="ctr"/>
-            <a:endParaRPr lang="en-US" dirty="0">
-              <a:solidFill>
-                <a:schemeClr val="tx1">
-                  <a:lumMod val="85000"/>
-                  <a:lumOff val="15000"/>
-                </a:schemeClr>
-              </a:solidFill>
-            </a:endParaRPr>
-          </a:p>
-        </p:txBody>
-      </p:sp>
-      <p:sp>
-        <p:nvSpPr>
-          <p:cNvPr id="45" name="Rectangle 44">
-            <a:extLst>
-              <a:ext uri="{FF2B5EF4-FFF2-40B4-BE49-F238E27FC236}">
-                <a16:creationId xmlns:a16="http://schemas.microsoft.com/office/drawing/2014/main" id="{5A7B3EAE-EFDA-480C-894D-71C2A33ADD61}"/>
-              </a:ext>
-            </a:extLst>
-          </p:cNvPr>
-          <p:cNvSpPr/>
-          <p:nvPr/>
-        </p:nvSpPr>
-        <p:spPr>
-          <a:xfrm>
-            <a:off x="8573913" y="5631089"/>
-            <a:ext cx="1547446" cy="548640"/>
-          </a:xfrm>
-          <a:prstGeom prst="rect">
-            <a:avLst/>
-          </a:prstGeom>
-          <a:solidFill>
-            <a:schemeClr val="accent1">
-              <a:lumMod val="20000"/>
-              <a:lumOff val="80000"/>
-            </a:schemeClr>
-          </a:solidFill>
-        </p:spPr>
-        <p:style>
-          <a:lnRef idx="2">
-            <a:schemeClr val="accent1">
-              <a:shade val="50000"/>
-            </a:schemeClr>
-          </a:lnRef>
-          <a:fillRef idx="1">
-            <a:schemeClr val="accent1"/>
-          </a:fillRef>
-          <a:effectRef idx="0">
-            <a:schemeClr val="accent1"/>
-          </a:effectRef>
-          <a:fontRef idx="minor">
-            <a:schemeClr val="lt1"/>
-          </a:fontRef>
-        </p:style>
-        <p:txBody>
-          <a:bodyPr rtlCol="0" anchor="ctr"/>
-          <a:lstStyle/>
-          <a:p>
-            <a:pPr algn="ctr"/>
-            <a:r>
-              <a:rPr lang="en-US" dirty="0">
-                <a:solidFill>
-                  <a:schemeClr val="tx1">
-                    <a:lumMod val="85000"/>
-                    <a:lumOff val="15000"/>
-                  </a:schemeClr>
-                </a:solidFill>
-              </a:rPr>
-              <a:t>Monitors</a:t>
-            </a:r>
-          </a:p>
-        </p:txBody>
-      </p:sp>
-      <p:cxnSp>
-        <p:nvCxnSpPr>
-          <p:cNvPr id="46" name="Straight Arrow Connector 45">
-            <a:extLst>
-              <a:ext uri="{FF2B5EF4-FFF2-40B4-BE49-F238E27FC236}">
-                <a16:creationId xmlns:a16="http://schemas.microsoft.com/office/drawing/2014/main" id="{E55067C7-95A2-4791-8199-B26D0F3B84B1}"/>
-              </a:ext>
-            </a:extLst>
-          </p:cNvPr>
-          <p:cNvCxnSpPr>
-            <a:cxnSpLocks/>
-          </p:cNvCxnSpPr>
-          <p:nvPr/>
-        </p:nvCxnSpPr>
-        <p:spPr>
-          <a:xfrm>
-            <a:off x="7565956" y="5849130"/>
-            <a:ext cx="1017570" cy="0"/>
-          </a:xfrm>
-          <a:prstGeom prst="straightConnector1">
-            <a:avLst/>
-          </a:prstGeom>
-          <a:ln w="25400">
-            <a:tailEnd type="triangle"/>
-          </a:ln>
-        </p:spPr>
-        <p:style>
-          <a:lnRef idx="1">
-            <a:schemeClr val="accent1"/>
-          </a:lnRef>
-          <a:fillRef idx="0">
-            <a:schemeClr val="accent1"/>
-          </a:fillRef>
-          <a:effectRef idx="0">
-            <a:schemeClr val="accent1"/>
-          </a:effectRef>
-          <a:fontRef idx="minor">
-            <a:schemeClr val="tx1"/>
-          </a:fontRef>
-        </p:style>
-      </p:cxnSp>
-      <p:cxnSp>
-        <p:nvCxnSpPr>
-          <p:cNvPr id="47" name="Straight Arrow Connector 46">
-            <a:extLst>
-              <a:ext uri="{FF2B5EF4-FFF2-40B4-BE49-F238E27FC236}">
-                <a16:creationId xmlns:a16="http://schemas.microsoft.com/office/drawing/2014/main" id="{732E9F8F-D9AB-40D7-A86A-D6DD0276C783}"/>
-              </a:ext>
-            </a:extLst>
-          </p:cNvPr>
-          <p:cNvCxnSpPr>
-            <a:cxnSpLocks/>
-          </p:cNvCxnSpPr>
-          <p:nvPr/>
-        </p:nvCxnSpPr>
-        <p:spPr>
-          <a:xfrm>
-            <a:off x="7479200" y="6001530"/>
-            <a:ext cx="1017570" cy="0"/>
-          </a:xfrm>
-          <a:prstGeom prst="straightConnector1">
-            <a:avLst/>
-          </a:prstGeom>
-          <a:ln w="25400">
-            <a:tailEnd type="triangle"/>
-          </a:ln>
-          <a:scene3d>
-            <a:camera prst="orthographicFront">
-              <a:rot lat="0" lon="10800000" rev="0"/>
-            </a:camera>
-            <a:lightRig rig="threePt" dir="t"/>
-          </a:scene3d>
-        </p:spPr>
-        <p:style>
-          <a:lnRef idx="1">
-            <a:schemeClr val="accent1"/>
-          </a:lnRef>
-          <a:fillRef idx="0">
-            <a:schemeClr val="accent1"/>
-          </a:fillRef>
-          <a:effectRef idx="0">
-            <a:schemeClr val="accent1"/>
-          </a:effectRef>
-          <a:fontRef idx="minor">
-            <a:schemeClr val="tx1"/>
-          </a:fontRef>
-        </p:style>
-      </p:cxnSp>
-      <p:sp>
-        <p:nvSpPr>
-          <p:cNvPr id="54" name="Rectangle: Rounded Corners 53">
-            <a:extLst>
-              <a:ext uri="{FF2B5EF4-FFF2-40B4-BE49-F238E27FC236}">
-                <a16:creationId xmlns:a16="http://schemas.microsoft.com/office/drawing/2014/main" id="{B5F2B3A1-0EDD-43A1-909A-8F3772168376}"/>
-              </a:ext>
-            </a:extLst>
-          </p:cNvPr>
-          <p:cNvSpPr/>
-          <p:nvPr/>
-        </p:nvSpPr>
-        <p:spPr>
-          <a:xfrm>
-            <a:off x="5008612" y="698670"/>
-            <a:ext cx="1333383" cy="548640"/>
+            <a:off x="1062167" y="1434852"/>
+            <a:ext cx="1267097" cy="614565"/>
           </a:xfrm>
           <a:prstGeom prst="roundRect">
             <a:avLst/>
@@ -4761,17 +4707,17 @@
                   </a:schemeClr>
                 </a:solidFill>
               </a:rPr>
-              <a:t>Activity Generator</a:t>
+              <a:t>Event Generator</a:t>
             </a:r>
           </a:p>
         </p:txBody>
       </p:sp>
       <p:cxnSp>
         <p:nvCxnSpPr>
-          <p:cNvPr id="71" name="Straight Arrow Connector 70">
-            <a:extLst>
-              <a:ext uri="{FF2B5EF4-FFF2-40B4-BE49-F238E27FC236}">
-                <a16:creationId xmlns:a16="http://schemas.microsoft.com/office/drawing/2014/main" id="{71EA7168-885B-4487-AF94-0C90841F0884}"/>
+          <p:cNvPr id="19" name="Straight Arrow Connector 18">
+            <a:extLst>
+              <a:ext uri="{FF2B5EF4-FFF2-40B4-BE49-F238E27FC236}">
+                <a16:creationId xmlns:a16="http://schemas.microsoft.com/office/drawing/2014/main" id="{C21BE4CD-0E4E-4D84-863D-41786652AEFA}"/>
               </a:ext>
             </a:extLst>
           </p:cNvPr>
@@ -4782,7 +4728,7 @@
         </p:nvCxnSpPr>
         <p:spPr>
           <a:xfrm flipV="1">
-            <a:off x="4483351" y="2866574"/>
+            <a:off x="7333403" y="2035349"/>
             <a:ext cx="0" cy="833954"/>
           </a:xfrm>
           <a:prstGeom prst="straightConnector1">
@@ -4815,22 +4761,24 @@
       </p:cxnSp>
       <p:cxnSp>
         <p:nvCxnSpPr>
-          <p:cNvPr id="73" name="Straight Arrow Connector 72">
-            <a:extLst>
-              <a:ext uri="{FF2B5EF4-FFF2-40B4-BE49-F238E27FC236}">
-                <a16:creationId xmlns:a16="http://schemas.microsoft.com/office/drawing/2014/main" id="{20ED02E9-6204-4F16-ADF0-0EDBCAC473C0}"/>
+          <p:cNvPr id="20" name="Straight Arrow Connector 19">
+            <a:extLst>
+              <a:ext uri="{FF2B5EF4-FFF2-40B4-BE49-F238E27FC236}">
+                <a16:creationId xmlns:a16="http://schemas.microsoft.com/office/drawing/2014/main" id="{57BBFB12-C2D8-473D-80DC-37CCD06B0DAE}"/>
               </a:ext>
             </a:extLst>
           </p:cNvPr>
           <p:cNvCxnSpPr>
             <a:cxnSpLocks/>
+            <a:stCxn id="18" idx="2"/>
+            <a:endCxn id="5" idx="0"/>
           </p:cNvCxnSpPr>
           <p:nvPr/>
         </p:nvCxnSpPr>
         <p:spPr>
-          <a:xfrm flipV="1">
-            <a:off x="4330949" y="2744530"/>
-            <a:ext cx="0" cy="847147"/>
+          <a:xfrm>
+            <a:off x="1695716" y="2049417"/>
+            <a:ext cx="5793" cy="602953"/>
           </a:xfrm>
           <a:prstGeom prst="straightConnector1">
             <a:avLst/>
@@ -4838,12 +4786,6 @@
           <a:ln w="25400">
             <a:tailEnd type="triangle"/>
           </a:ln>
-          <a:scene3d>
-            <a:camera prst="orthographicFront">
-              <a:rot lat="0" lon="0" rev="0"/>
-            </a:camera>
-            <a:lightRig rig="threePt" dir="t"/>
-          </a:scene3d>
         </p:spPr>
         <p:style>
           <a:lnRef idx="1">
@@ -4862,10 +4804,96 @@
       </p:cxnSp>
       <p:cxnSp>
         <p:nvCxnSpPr>
-          <p:cNvPr id="77" name="Straight Arrow Connector 76">
-            <a:extLst>
-              <a:ext uri="{FF2B5EF4-FFF2-40B4-BE49-F238E27FC236}">
-                <a16:creationId xmlns:a16="http://schemas.microsoft.com/office/drawing/2014/main" id="{893D0937-6B3B-4E97-BE53-18C210EA3B5C}"/>
+          <p:cNvPr id="34" name="Straight Arrow Connector 33">
+            <a:extLst>
+              <a:ext uri="{FF2B5EF4-FFF2-40B4-BE49-F238E27FC236}">
+                <a16:creationId xmlns:a16="http://schemas.microsoft.com/office/drawing/2014/main" id="{742C7B19-FC07-4FF5-B4E8-FB9389EBAC4B}"/>
+              </a:ext>
+            </a:extLst>
+          </p:cNvPr>
+          <p:cNvCxnSpPr>
+            <a:cxnSpLocks/>
+            <a:stCxn id="5" idx="3"/>
+            <a:endCxn id="6" idx="1"/>
+          </p:cNvCxnSpPr>
+          <p:nvPr/>
+        </p:nvCxnSpPr>
+        <p:spPr>
+          <a:xfrm>
+            <a:off x="2436768" y="3046865"/>
+            <a:ext cx="1064458" cy="6042"/>
+          </a:xfrm>
+          <a:prstGeom prst="straightConnector1">
+            <a:avLst/>
+          </a:prstGeom>
+          <a:ln w="31750">
+            <a:tailEnd type="triangle"/>
+          </a:ln>
+        </p:spPr>
+        <p:style>
+          <a:lnRef idx="1">
+            <a:schemeClr val="accent1"/>
+          </a:lnRef>
+          <a:fillRef idx="0">
+            <a:schemeClr val="accent1"/>
+          </a:fillRef>
+          <a:effectRef idx="0">
+            <a:schemeClr val="accent1"/>
+          </a:effectRef>
+          <a:fontRef idx="minor">
+            <a:schemeClr val="tx1"/>
+          </a:fontRef>
+        </p:style>
+      </p:cxnSp>
+      <p:cxnSp>
+        <p:nvCxnSpPr>
+          <p:cNvPr id="36" name="Straight Arrow Connector 35">
+            <a:extLst>
+              <a:ext uri="{FF2B5EF4-FFF2-40B4-BE49-F238E27FC236}">
+                <a16:creationId xmlns:a16="http://schemas.microsoft.com/office/drawing/2014/main" id="{27166C0A-2A7F-462B-A5A5-076F5B2464D0}"/>
+              </a:ext>
+            </a:extLst>
+          </p:cNvPr>
+          <p:cNvCxnSpPr>
+            <a:cxnSpLocks/>
+            <a:stCxn id="6" idx="3"/>
+            <a:endCxn id="7" idx="1"/>
+          </p:cNvCxnSpPr>
+          <p:nvPr/>
+        </p:nvCxnSpPr>
+        <p:spPr>
+          <a:xfrm>
+            <a:off x="5497279" y="3052907"/>
+            <a:ext cx="1161421" cy="694"/>
+          </a:xfrm>
+          <a:prstGeom prst="straightConnector1">
+            <a:avLst/>
+          </a:prstGeom>
+          <a:ln w="31750">
+            <a:tailEnd type="triangle"/>
+          </a:ln>
+        </p:spPr>
+        <p:style>
+          <a:lnRef idx="1">
+            <a:schemeClr val="accent1"/>
+          </a:lnRef>
+          <a:fillRef idx="0">
+            <a:schemeClr val="accent1"/>
+          </a:fillRef>
+          <a:effectRef idx="0">
+            <a:schemeClr val="accent1"/>
+          </a:effectRef>
+          <a:fontRef idx="minor">
+            <a:schemeClr val="tx1"/>
+          </a:fontRef>
+        </p:style>
+      </p:cxnSp>
+      <p:cxnSp>
+        <p:nvCxnSpPr>
+          <p:cNvPr id="39" name="Straight Arrow Connector 38">
+            <a:extLst>
+              <a:ext uri="{FF2B5EF4-FFF2-40B4-BE49-F238E27FC236}">
+                <a16:creationId xmlns:a16="http://schemas.microsoft.com/office/drawing/2014/main" id="{8C9870C6-2667-4B47-A764-7B8FAD9159EA}"/>
               </a:ext>
             </a:extLst>
           </p:cNvPr>
@@ -4875,8 +4903,8 @@
           <p:nvPr/>
         </p:nvCxnSpPr>
         <p:spPr>
-          <a:xfrm flipV="1">
-            <a:off x="6899981" y="2859314"/>
+          <a:xfrm>
+            <a:off x="7457663" y="1878257"/>
             <a:ext cx="0" cy="833954"/>
           </a:xfrm>
           <a:prstGeom prst="straightConnector1">
@@ -4907,10 +4935,378 @@
           </a:fontRef>
         </p:style>
       </p:cxnSp>
+      <p:cxnSp>
+        <p:nvCxnSpPr>
+          <p:cNvPr id="45" name="Straight Arrow Connector 44">
+            <a:extLst>
+              <a:ext uri="{FF2B5EF4-FFF2-40B4-BE49-F238E27FC236}">
+                <a16:creationId xmlns:a16="http://schemas.microsoft.com/office/drawing/2014/main" id="{40814AD2-2872-4FEA-B2A9-DA28014A5861}"/>
+              </a:ext>
+            </a:extLst>
+          </p:cNvPr>
+          <p:cNvCxnSpPr>
+            <a:cxnSpLocks/>
+          </p:cNvCxnSpPr>
+          <p:nvPr/>
+        </p:nvCxnSpPr>
+        <p:spPr>
+          <a:xfrm flipV="1">
+            <a:off x="10013257" y="3938655"/>
+            <a:ext cx="0" cy="833954"/>
+          </a:xfrm>
+          <a:prstGeom prst="straightConnector1">
+            <a:avLst/>
+          </a:prstGeom>
+          <a:ln w="25400">
+            <a:tailEnd type="triangle"/>
+          </a:ln>
+          <a:scene3d>
+            <a:camera prst="orthographicFront">
+              <a:rot lat="10800000" lon="0" rev="0"/>
+            </a:camera>
+            <a:lightRig rig="threePt" dir="t"/>
+          </a:scene3d>
+        </p:spPr>
+        <p:style>
+          <a:lnRef idx="1">
+            <a:schemeClr val="accent1"/>
+          </a:lnRef>
+          <a:fillRef idx="0">
+            <a:schemeClr val="accent1"/>
+          </a:fillRef>
+          <a:effectRef idx="0">
+            <a:schemeClr val="accent1"/>
+          </a:effectRef>
+          <a:fontRef idx="minor">
+            <a:schemeClr val="tx1"/>
+          </a:fontRef>
+        </p:style>
+      </p:cxnSp>
+      <p:cxnSp>
+        <p:nvCxnSpPr>
+          <p:cNvPr id="46" name="Straight Arrow Connector 45">
+            <a:extLst>
+              <a:ext uri="{FF2B5EF4-FFF2-40B4-BE49-F238E27FC236}">
+                <a16:creationId xmlns:a16="http://schemas.microsoft.com/office/drawing/2014/main" id="{E189C241-DAE3-47E6-9C0C-FF0AEFF00205}"/>
+              </a:ext>
+            </a:extLst>
+          </p:cNvPr>
+          <p:cNvCxnSpPr>
+            <a:cxnSpLocks/>
+          </p:cNvCxnSpPr>
+          <p:nvPr/>
+        </p:nvCxnSpPr>
+        <p:spPr>
+          <a:xfrm>
+            <a:off x="10137517" y="3781563"/>
+            <a:ext cx="0" cy="833954"/>
+          </a:xfrm>
+          <a:prstGeom prst="straightConnector1">
+            <a:avLst/>
+          </a:prstGeom>
+          <a:ln w="25400">
+            <a:tailEnd type="triangle"/>
+          </a:ln>
+          <a:scene3d>
+            <a:camera prst="orthographicFront">
+              <a:rot lat="10800000" lon="0" rev="0"/>
+            </a:camera>
+            <a:lightRig rig="threePt" dir="t"/>
+          </a:scene3d>
+        </p:spPr>
+        <p:style>
+          <a:lnRef idx="1">
+            <a:schemeClr val="accent1"/>
+          </a:lnRef>
+          <a:fillRef idx="0">
+            <a:schemeClr val="accent1"/>
+          </a:fillRef>
+          <a:effectRef idx="0">
+            <a:schemeClr val="accent1"/>
+          </a:effectRef>
+          <a:fontRef idx="minor">
+            <a:schemeClr val="tx1"/>
+          </a:fontRef>
+        </p:style>
+      </p:cxnSp>
+      <p:cxnSp>
+        <p:nvCxnSpPr>
+          <p:cNvPr id="48" name="Straight Connector 47">
+            <a:extLst>
+              <a:ext uri="{FF2B5EF4-FFF2-40B4-BE49-F238E27FC236}">
+                <a16:creationId xmlns:a16="http://schemas.microsoft.com/office/drawing/2014/main" id="{1A6A64F2-0A07-4511-953F-C1E5B7E7A518}"/>
+              </a:ext>
+            </a:extLst>
+          </p:cNvPr>
+          <p:cNvCxnSpPr>
+            <a:cxnSpLocks/>
+          </p:cNvCxnSpPr>
+          <p:nvPr/>
+        </p:nvCxnSpPr>
+        <p:spPr>
+          <a:xfrm>
+            <a:off x="2968284" y="590842"/>
+            <a:ext cx="713" cy="6139163"/>
+          </a:xfrm>
+          <a:prstGeom prst="line">
+            <a:avLst/>
+          </a:prstGeom>
+          <a:ln w="19050">
+            <a:prstDash val="dash"/>
+          </a:ln>
+        </p:spPr>
+        <p:style>
+          <a:lnRef idx="1">
+            <a:schemeClr val="accent1"/>
+          </a:lnRef>
+          <a:fillRef idx="0">
+            <a:schemeClr val="accent1"/>
+          </a:fillRef>
+          <a:effectRef idx="0">
+            <a:schemeClr val="accent1"/>
+          </a:effectRef>
+          <a:fontRef idx="minor">
+            <a:schemeClr val="tx1"/>
+          </a:fontRef>
+        </p:style>
+      </p:cxnSp>
+      <p:cxnSp>
+        <p:nvCxnSpPr>
+          <p:cNvPr id="49" name="Straight Connector 48">
+            <a:extLst>
+              <a:ext uri="{FF2B5EF4-FFF2-40B4-BE49-F238E27FC236}">
+                <a16:creationId xmlns:a16="http://schemas.microsoft.com/office/drawing/2014/main" id="{9AA869A7-7840-465C-8E0F-BDB22223E705}"/>
+              </a:ext>
+            </a:extLst>
+          </p:cNvPr>
+          <p:cNvCxnSpPr>
+            <a:cxnSpLocks/>
+          </p:cNvCxnSpPr>
+          <p:nvPr/>
+        </p:nvCxnSpPr>
+        <p:spPr>
+          <a:xfrm>
+            <a:off x="5976428" y="588494"/>
+            <a:ext cx="0" cy="6141511"/>
+          </a:xfrm>
+          <a:prstGeom prst="line">
+            <a:avLst/>
+          </a:prstGeom>
+          <a:ln w="19050">
+            <a:prstDash val="dash"/>
+          </a:ln>
+        </p:spPr>
+        <p:style>
+          <a:lnRef idx="1">
+            <a:schemeClr val="accent1"/>
+          </a:lnRef>
+          <a:fillRef idx="0">
+            <a:schemeClr val="accent1"/>
+          </a:fillRef>
+          <a:effectRef idx="0">
+            <a:schemeClr val="accent1"/>
+          </a:effectRef>
+          <a:fontRef idx="minor">
+            <a:schemeClr val="tx1"/>
+          </a:fontRef>
+        </p:style>
+      </p:cxnSp>
+      <p:cxnSp>
+        <p:nvCxnSpPr>
+          <p:cNvPr id="50" name="Straight Connector 49">
+            <a:extLst>
+              <a:ext uri="{FF2B5EF4-FFF2-40B4-BE49-F238E27FC236}">
+                <a16:creationId xmlns:a16="http://schemas.microsoft.com/office/drawing/2014/main" id="{EF27B95F-3761-4881-8900-0276FEBAF0AB}"/>
+              </a:ext>
+            </a:extLst>
+          </p:cNvPr>
+          <p:cNvCxnSpPr>
+            <a:cxnSpLocks/>
+          </p:cNvCxnSpPr>
+          <p:nvPr/>
+        </p:nvCxnSpPr>
+        <p:spPr>
+          <a:xfrm>
+            <a:off x="8703218" y="586146"/>
+            <a:ext cx="0" cy="6143859"/>
+          </a:xfrm>
+          <a:prstGeom prst="line">
+            <a:avLst/>
+          </a:prstGeom>
+          <a:ln w="19050">
+            <a:prstDash val="dash"/>
+          </a:ln>
+        </p:spPr>
+        <p:style>
+          <a:lnRef idx="1">
+            <a:schemeClr val="accent1"/>
+          </a:lnRef>
+          <a:fillRef idx="0">
+            <a:schemeClr val="accent1"/>
+          </a:fillRef>
+          <a:effectRef idx="0">
+            <a:schemeClr val="accent1"/>
+          </a:effectRef>
+          <a:fontRef idx="minor">
+            <a:schemeClr val="tx1"/>
+          </a:fontRef>
+        </p:style>
+      </p:cxnSp>
+      <p:sp>
+        <p:nvSpPr>
+          <p:cNvPr id="51" name="TextBox 50">
+            <a:extLst>
+              <a:ext uri="{FF2B5EF4-FFF2-40B4-BE49-F238E27FC236}">
+                <a16:creationId xmlns:a16="http://schemas.microsoft.com/office/drawing/2014/main" id="{184B382B-5C51-4402-8245-9199CA033C11}"/>
+              </a:ext>
+            </a:extLst>
+          </p:cNvPr>
+          <p:cNvSpPr txBox="1"/>
+          <p:nvPr/>
+        </p:nvSpPr>
+        <p:spPr>
+          <a:xfrm>
+            <a:off x="3644636" y="6188746"/>
+            <a:ext cx="1709231" cy="369332"/>
+          </a:xfrm>
+          <a:prstGeom prst="rect">
+            <a:avLst/>
+          </a:prstGeom>
+          <a:noFill/>
+        </p:spPr>
+        <p:txBody>
+          <a:bodyPr wrap="square" rtlCol="0">
+            <a:spAutoFit/>
+          </a:bodyPr>
+          <a:lstStyle/>
+          <a:p>
+            <a:pPr algn="ctr"/>
+            <a:r>
+              <a:rPr lang="en-US" dirty="0"/>
+              <a:t>Kafka Cluster</a:t>
+            </a:r>
+          </a:p>
+        </p:txBody>
+      </p:sp>
+      <p:sp>
+        <p:nvSpPr>
+          <p:cNvPr id="52" name="TextBox 51">
+            <a:extLst>
+              <a:ext uri="{FF2B5EF4-FFF2-40B4-BE49-F238E27FC236}">
+                <a16:creationId xmlns:a16="http://schemas.microsoft.com/office/drawing/2014/main" id="{EDDE6DF4-38F2-4F60-A97D-678CE3FD6D32}"/>
+              </a:ext>
+            </a:extLst>
+          </p:cNvPr>
+          <p:cNvSpPr txBox="1"/>
+          <p:nvPr/>
+        </p:nvSpPr>
+        <p:spPr>
+          <a:xfrm>
+            <a:off x="6292522" y="6083674"/>
+            <a:ext cx="1954590" cy="646331"/>
+          </a:xfrm>
+          <a:prstGeom prst="rect">
+            <a:avLst/>
+          </a:prstGeom>
+          <a:noFill/>
+        </p:spPr>
+        <p:txBody>
+          <a:bodyPr wrap="square" rtlCol="0">
+            <a:spAutoFit/>
+          </a:bodyPr>
+          <a:lstStyle/>
+          <a:p>
+            <a:pPr algn="ctr"/>
+            <a:r>
+              <a:rPr lang="en-US" dirty="0"/>
+              <a:t>Spark Cluster</a:t>
+            </a:r>
+          </a:p>
+          <a:p>
+            <a:pPr algn="ctr"/>
+            <a:r>
+              <a:rPr lang="en-US" dirty="0"/>
+              <a:t>(Processing Layer)</a:t>
+            </a:r>
+          </a:p>
+        </p:txBody>
+      </p:sp>
+      <p:sp>
+        <p:nvSpPr>
+          <p:cNvPr id="53" name="TextBox 52">
+            <a:extLst>
+              <a:ext uri="{FF2B5EF4-FFF2-40B4-BE49-F238E27FC236}">
+                <a16:creationId xmlns:a16="http://schemas.microsoft.com/office/drawing/2014/main" id="{75A84A3E-E756-427A-969D-554E85DE5D84}"/>
+              </a:ext>
+            </a:extLst>
+          </p:cNvPr>
+          <p:cNvSpPr txBox="1"/>
+          <p:nvPr/>
+        </p:nvSpPr>
+        <p:spPr>
+          <a:xfrm>
+            <a:off x="9128157" y="6140117"/>
+            <a:ext cx="1954590" cy="369332"/>
+          </a:xfrm>
+          <a:prstGeom prst="rect">
+            <a:avLst/>
+          </a:prstGeom>
+          <a:noFill/>
+        </p:spPr>
+        <p:txBody>
+          <a:bodyPr wrap="square" rtlCol="0">
+            <a:spAutoFit/>
+          </a:bodyPr>
+          <a:lstStyle/>
+          <a:p>
+            <a:pPr algn="ctr"/>
+            <a:r>
+              <a:rPr lang="en-US" dirty="0"/>
+              <a:t>Persistence Layer</a:t>
+            </a:r>
+          </a:p>
+        </p:txBody>
+      </p:sp>
+      <p:sp>
+        <p:nvSpPr>
+          <p:cNvPr id="54" name="TextBox 53">
+            <a:extLst>
+              <a:ext uri="{FF2B5EF4-FFF2-40B4-BE49-F238E27FC236}">
+                <a16:creationId xmlns:a16="http://schemas.microsoft.com/office/drawing/2014/main" id="{136EAE1A-585C-4CD9-8E65-B64464252098}"/>
+              </a:ext>
+            </a:extLst>
+          </p:cNvPr>
+          <p:cNvSpPr txBox="1"/>
+          <p:nvPr/>
+        </p:nvSpPr>
+        <p:spPr>
+          <a:xfrm>
+            <a:off x="841099" y="6188746"/>
+            <a:ext cx="1709231" cy="369332"/>
+          </a:xfrm>
+          <a:prstGeom prst="rect">
+            <a:avLst/>
+          </a:prstGeom>
+          <a:noFill/>
+        </p:spPr>
+        <p:txBody>
+          <a:bodyPr wrap="square" rtlCol="0">
+            <a:spAutoFit/>
+          </a:bodyPr>
+          <a:lstStyle/>
+          <a:p>
+            <a:pPr algn="ctr"/>
+            <a:r>
+              <a:rPr lang="en-US" dirty="0"/>
+              <a:t>Source</a:t>
+            </a:r>
+          </a:p>
+        </p:txBody>
+      </p:sp>
     </p:spTree>
     <p:extLst>
       <p:ext uri="{BB962C8B-B14F-4D97-AF65-F5344CB8AC3E}">
-        <p14:creationId xmlns:p14="http://schemas.microsoft.com/office/powerpoint/2010/main" val="191937908"/>
+        <p14:creationId xmlns:p14="http://schemas.microsoft.com/office/powerpoint/2010/main" val="2256715135"/>
       </p:ext>
     </p:extLst>
   </p:cSld>
